--- a/Presentation1.pptx
+++ b/Presentation1.pptx
@@ -60,7 +60,7 @@
       </p:grpSpPr>
       <p:sp>
         <p:nvSpPr>
-          <p:cNvPr id="26" name="PlaceHolder 1"/>
+          <p:cNvPr id="23" name="PlaceHolder 1"/>
           <p:cNvSpPr>
             <a:spLocks noGrp="1"/>
           </p:cNvSpPr>
@@ -82,18 +82,16 @@
             <a:noAutofit/>
           </a:bodyPr>
           <a:p>
-            <a:endParaRPr b="0" lang="en-US" sz="1800" spc="-1" strike="noStrike">
-              <a:solidFill>
-                <a:srgbClr val="000000"/>
-              </a:solidFill>
-              <a:latin typeface="Calibri"/>
-            </a:endParaRPr>
-          </a:p>
-        </p:txBody>
-      </p:sp>
-      <p:sp>
-        <p:nvSpPr>
-          <p:cNvPr id="27" name="PlaceHolder 2"/>
+            <a:pPr algn="ctr"/>
+            <a:endParaRPr b="0" lang="en-US" sz="4400" spc="-1" strike="noStrike">
+              <a:latin typeface="Arial"/>
+            </a:endParaRPr>
+          </a:p>
+        </p:txBody>
+      </p:sp>
+      <p:sp>
+        <p:nvSpPr>
+          <p:cNvPr id="24" name="PlaceHolder 2"/>
           <p:cNvSpPr>
             <a:spLocks noGrp="1"/>
           </p:cNvSpPr>
@@ -116,17 +114,14 @@
           </a:bodyPr>
           <a:p>
             <a:endParaRPr b="0" lang="en-US" sz="3200" spc="-1" strike="noStrike">
-              <a:solidFill>
-                <a:srgbClr val="000000"/>
-              </a:solidFill>
-              <a:latin typeface="Calibri"/>
-            </a:endParaRPr>
-          </a:p>
-        </p:txBody>
-      </p:sp>
-      <p:sp>
-        <p:nvSpPr>
-          <p:cNvPr id="28" name="PlaceHolder 3"/>
+              <a:latin typeface="Arial"/>
+            </a:endParaRPr>
+          </a:p>
+        </p:txBody>
+      </p:sp>
+      <p:sp>
+        <p:nvSpPr>
+          <p:cNvPr id="25" name="PlaceHolder 3"/>
           <p:cNvSpPr>
             <a:spLocks noGrp="1"/>
           </p:cNvSpPr>
@@ -149,10 +144,7 @@
           </a:bodyPr>
           <a:p>
             <a:endParaRPr b="0" lang="en-US" sz="3200" spc="-1" strike="noStrike">
-              <a:solidFill>
-                <a:srgbClr val="000000"/>
-              </a:solidFill>
-              <a:latin typeface="Calibri"/>
+              <a:latin typeface="Arial"/>
             </a:endParaRPr>
           </a:p>
         </p:txBody>
@@ -181,7 +173,7 @@
       </p:grpSpPr>
       <p:sp>
         <p:nvSpPr>
-          <p:cNvPr id="29" name="PlaceHolder 1"/>
+          <p:cNvPr id="26" name="PlaceHolder 1"/>
           <p:cNvSpPr>
             <a:spLocks noGrp="1"/>
           </p:cNvSpPr>
@@ -203,18 +195,16 @@
             <a:noAutofit/>
           </a:bodyPr>
           <a:p>
-            <a:endParaRPr b="0" lang="en-US" sz="1800" spc="-1" strike="noStrike">
-              <a:solidFill>
-                <a:srgbClr val="000000"/>
-              </a:solidFill>
-              <a:latin typeface="Calibri"/>
-            </a:endParaRPr>
-          </a:p>
-        </p:txBody>
-      </p:sp>
-      <p:sp>
-        <p:nvSpPr>
-          <p:cNvPr id="30" name="PlaceHolder 2"/>
+            <a:pPr algn="ctr"/>
+            <a:endParaRPr b="0" lang="en-US" sz="4400" spc="-1" strike="noStrike">
+              <a:latin typeface="Arial"/>
+            </a:endParaRPr>
+          </a:p>
+        </p:txBody>
+      </p:sp>
+      <p:sp>
+        <p:nvSpPr>
+          <p:cNvPr id="27" name="PlaceHolder 2"/>
           <p:cNvSpPr>
             <a:spLocks noGrp="1"/>
           </p:cNvSpPr>
@@ -237,17 +227,14 @@
           </a:bodyPr>
           <a:p>
             <a:endParaRPr b="0" lang="en-US" sz="3200" spc="-1" strike="noStrike">
-              <a:solidFill>
-                <a:srgbClr val="000000"/>
-              </a:solidFill>
-              <a:latin typeface="Calibri"/>
-            </a:endParaRPr>
-          </a:p>
-        </p:txBody>
-      </p:sp>
-      <p:sp>
-        <p:nvSpPr>
-          <p:cNvPr id="31" name="PlaceHolder 3"/>
+              <a:latin typeface="Arial"/>
+            </a:endParaRPr>
+          </a:p>
+        </p:txBody>
+      </p:sp>
+      <p:sp>
+        <p:nvSpPr>
+          <p:cNvPr id="28" name="PlaceHolder 3"/>
           <p:cNvSpPr>
             <a:spLocks noGrp="1"/>
           </p:cNvSpPr>
@@ -270,17 +257,14 @@
           </a:bodyPr>
           <a:p>
             <a:endParaRPr b="0" lang="en-US" sz="3200" spc="-1" strike="noStrike">
-              <a:solidFill>
-                <a:srgbClr val="000000"/>
-              </a:solidFill>
-              <a:latin typeface="Calibri"/>
-            </a:endParaRPr>
-          </a:p>
-        </p:txBody>
-      </p:sp>
-      <p:sp>
-        <p:nvSpPr>
-          <p:cNvPr id="32" name="PlaceHolder 4"/>
+              <a:latin typeface="Arial"/>
+            </a:endParaRPr>
+          </a:p>
+        </p:txBody>
+      </p:sp>
+      <p:sp>
+        <p:nvSpPr>
+          <p:cNvPr id="29" name="PlaceHolder 4"/>
           <p:cNvSpPr>
             <a:spLocks noGrp="1"/>
           </p:cNvSpPr>
@@ -303,17 +287,14 @@
           </a:bodyPr>
           <a:p>
             <a:endParaRPr b="0" lang="en-US" sz="3200" spc="-1" strike="noStrike">
-              <a:solidFill>
-                <a:srgbClr val="000000"/>
-              </a:solidFill>
-              <a:latin typeface="Calibri"/>
-            </a:endParaRPr>
-          </a:p>
-        </p:txBody>
-      </p:sp>
-      <p:sp>
-        <p:nvSpPr>
-          <p:cNvPr id="33" name="PlaceHolder 5"/>
+              <a:latin typeface="Arial"/>
+            </a:endParaRPr>
+          </a:p>
+        </p:txBody>
+      </p:sp>
+      <p:sp>
+        <p:nvSpPr>
+          <p:cNvPr id="30" name="PlaceHolder 5"/>
           <p:cNvSpPr>
             <a:spLocks noGrp="1"/>
           </p:cNvSpPr>
@@ -336,10 +317,7 @@
           </a:bodyPr>
           <a:p>
             <a:endParaRPr b="0" lang="en-US" sz="3200" spc="-1" strike="noStrike">
-              <a:solidFill>
-                <a:srgbClr val="000000"/>
-              </a:solidFill>
-              <a:latin typeface="Calibri"/>
+              <a:latin typeface="Arial"/>
             </a:endParaRPr>
           </a:p>
         </p:txBody>
@@ -368,7 +346,7 @@
       </p:grpSpPr>
       <p:sp>
         <p:nvSpPr>
-          <p:cNvPr id="34" name="PlaceHolder 1"/>
+          <p:cNvPr id="31" name="PlaceHolder 1"/>
           <p:cNvSpPr>
             <a:spLocks noGrp="1"/>
           </p:cNvSpPr>
@@ -390,18 +368,16 @@
             <a:noAutofit/>
           </a:bodyPr>
           <a:p>
-            <a:endParaRPr b="0" lang="en-US" sz="1800" spc="-1" strike="noStrike">
-              <a:solidFill>
-                <a:srgbClr val="000000"/>
-              </a:solidFill>
-              <a:latin typeface="Calibri"/>
-            </a:endParaRPr>
-          </a:p>
-        </p:txBody>
-      </p:sp>
-      <p:sp>
-        <p:nvSpPr>
-          <p:cNvPr id="35" name="PlaceHolder 2"/>
+            <a:pPr algn="ctr"/>
+            <a:endParaRPr b="0" lang="en-US" sz="4400" spc="-1" strike="noStrike">
+              <a:latin typeface="Arial"/>
+            </a:endParaRPr>
+          </a:p>
+        </p:txBody>
+      </p:sp>
+      <p:sp>
+        <p:nvSpPr>
+          <p:cNvPr id="32" name="PlaceHolder 2"/>
           <p:cNvSpPr>
             <a:spLocks noGrp="1"/>
           </p:cNvSpPr>
@@ -424,17 +400,14 @@
           </a:bodyPr>
           <a:p>
             <a:endParaRPr b="0" lang="en-US" sz="3200" spc="-1" strike="noStrike">
-              <a:solidFill>
-                <a:srgbClr val="000000"/>
-              </a:solidFill>
-              <a:latin typeface="Calibri"/>
-            </a:endParaRPr>
-          </a:p>
-        </p:txBody>
-      </p:sp>
-      <p:sp>
-        <p:nvSpPr>
-          <p:cNvPr id="36" name="PlaceHolder 3"/>
+              <a:latin typeface="Arial"/>
+            </a:endParaRPr>
+          </a:p>
+        </p:txBody>
+      </p:sp>
+      <p:sp>
+        <p:nvSpPr>
+          <p:cNvPr id="33" name="PlaceHolder 3"/>
           <p:cNvSpPr>
             <a:spLocks noGrp="1"/>
           </p:cNvSpPr>
@@ -457,17 +430,14 @@
           </a:bodyPr>
           <a:p>
             <a:endParaRPr b="0" lang="en-US" sz="3200" spc="-1" strike="noStrike">
-              <a:solidFill>
-                <a:srgbClr val="000000"/>
-              </a:solidFill>
-              <a:latin typeface="Calibri"/>
-            </a:endParaRPr>
-          </a:p>
-        </p:txBody>
-      </p:sp>
-      <p:sp>
-        <p:nvSpPr>
-          <p:cNvPr id="37" name="PlaceHolder 4"/>
+              <a:latin typeface="Arial"/>
+            </a:endParaRPr>
+          </a:p>
+        </p:txBody>
+      </p:sp>
+      <p:sp>
+        <p:nvSpPr>
+          <p:cNvPr id="34" name="PlaceHolder 4"/>
           <p:cNvSpPr>
             <a:spLocks noGrp="1"/>
           </p:cNvSpPr>
@@ -490,17 +460,14 @@
           </a:bodyPr>
           <a:p>
             <a:endParaRPr b="0" lang="en-US" sz="3200" spc="-1" strike="noStrike">
-              <a:solidFill>
-                <a:srgbClr val="000000"/>
-              </a:solidFill>
-              <a:latin typeface="Calibri"/>
-            </a:endParaRPr>
-          </a:p>
-        </p:txBody>
-      </p:sp>
-      <p:sp>
-        <p:nvSpPr>
-          <p:cNvPr id="38" name="PlaceHolder 5"/>
+              <a:latin typeface="Arial"/>
+            </a:endParaRPr>
+          </a:p>
+        </p:txBody>
+      </p:sp>
+      <p:sp>
+        <p:nvSpPr>
+          <p:cNvPr id="35" name="PlaceHolder 5"/>
           <p:cNvSpPr>
             <a:spLocks noGrp="1"/>
           </p:cNvSpPr>
@@ -523,17 +490,14 @@
           </a:bodyPr>
           <a:p>
             <a:endParaRPr b="0" lang="en-US" sz="3200" spc="-1" strike="noStrike">
-              <a:solidFill>
-                <a:srgbClr val="000000"/>
-              </a:solidFill>
-              <a:latin typeface="Calibri"/>
-            </a:endParaRPr>
-          </a:p>
-        </p:txBody>
-      </p:sp>
-      <p:sp>
-        <p:nvSpPr>
-          <p:cNvPr id="39" name="PlaceHolder 6"/>
+              <a:latin typeface="Arial"/>
+            </a:endParaRPr>
+          </a:p>
+        </p:txBody>
+      </p:sp>
+      <p:sp>
+        <p:nvSpPr>
+          <p:cNvPr id="36" name="PlaceHolder 6"/>
           <p:cNvSpPr>
             <a:spLocks noGrp="1"/>
           </p:cNvSpPr>
@@ -556,17 +520,14 @@
           </a:bodyPr>
           <a:p>
             <a:endParaRPr b="0" lang="en-US" sz="3200" spc="-1" strike="noStrike">
-              <a:solidFill>
-                <a:srgbClr val="000000"/>
-              </a:solidFill>
-              <a:latin typeface="Calibri"/>
-            </a:endParaRPr>
-          </a:p>
-        </p:txBody>
-      </p:sp>
-      <p:sp>
-        <p:nvSpPr>
-          <p:cNvPr id="40" name="PlaceHolder 7"/>
+              <a:latin typeface="Arial"/>
+            </a:endParaRPr>
+          </a:p>
+        </p:txBody>
+      </p:sp>
+      <p:sp>
+        <p:nvSpPr>
+          <p:cNvPr id="37" name="PlaceHolder 7"/>
           <p:cNvSpPr>
             <a:spLocks noGrp="1"/>
           </p:cNvSpPr>
@@ -589,10 +550,7 @@
           </a:bodyPr>
           <a:p>
             <a:endParaRPr b="0" lang="en-US" sz="3200" spc="-1" strike="noStrike">
-              <a:solidFill>
-                <a:srgbClr val="000000"/>
-              </a:solidFill>
-              <a:latin typeface="Calibri"/>
+              <a:latin typeface="Arial"/>
             </a:endParaRPr>
           </a:p>
         </p:txBody>
@@ -643,7 +601,7 @@
       </p:grpSpPr>
       <p:sp>
         <p:nvSpPr>
-          <p:cNvPr id="46" name="PlaceHolder 1"/>
+          <p:cNvPr id="40" name="PlaceHolder 1"/>
           <p:cNvSpPr>
             <a:spLocks noGrp="1"/>
           </p:cNvSpPr>
@@ -665,18 +623,16 @@
             <a:noAutofit/>
           </a:bodyPr>
           <a:p>
-            <a:endParaRPr b="0" lang="en-US" sz="1800" spc="-1" strike="noStrike">
-              <a:solidFill>
-                <a:srgbClr val="000000"/>
-              </a:solidFill>
-              <a:latin typeface="Calibri"/>
-            </a:endParaRPr>
-          </a:p>
-        </p:txBody>
-      </p:sp>
-      <p:sp>
-        <p:nvSpPr>
-          <p:cNvPr id="47" name="PlaceHolder 2"/>
+            <a:pPr algn="ctr"/>
+            <a:endParaRPr b="0" lang="en-US" sz="4400" spc="-1" strike="noStrike">
+              <a:latin typeface="Arial"/>
+            </a:endParaRPr>
+          </a:p>
+        </p:txBody>
+      </p:sp>
+      <p:sp>
+        <p:nvSpPr>
+          <p:cNvPr id="41" name="PlaceHolder 2"/>
           <p:cNvSpPr>
             <a:spLocks noGrp="1"/>
           </p:cNvSpPr>
@@ -729,7 +685,7 @@
       </p:grpSpPr>
       <p:sp>
         <p:nvSpPr>
-          <p:cNvPr id="48" name="PlaceHolder 1"/>
+          <p:cNvPr id="42" name="PlaceHolder 1"/>
           <p:cNvSpPr>
             <a:spLocks noGrp="1"/>
           </p:cNvSpPr>
@@ -751,18 +707,16 @@
             <a:noAutofit/>
           </a:bodyPr>
           <a:p>
-            <a:endParaRPr b="0" lang="en-US" sz="1800" spc="-1" strike="noStrike">
-              <a:solidFill>
-                <a:srgbClr val="000000"/>
-              </a:solidFill>
-              <a:latin typeface="Calibri"/>
-            </a:endParaRPr>
-          </a:p>
-        </p:txBody>
-      </p:sp>
-      <p:sp>
-        <p:nvSpPr>
-          <p:cNvPr id="49" name="PlaceHolder 2"/>
+            <a:pPr algn="ctr"/>
+            <a:endParaRPr b="0" lang="en-US" sz="4400" spc="-1" strike="noStrike">
+              <a:latin typeface="Arial"/>
+            </a:endParaRPr>
+          </a:p>
+        </p:txBody>
+      </p:sp>
+      <p:sp>
+        <p:nvSpPr>
+          <p:cNvPr id="43" name="PlaceHolder 2"/>
           <p:cNvSpPr>
             <a:spLocks noGrp="1"/>
           </p:cNvSpPr>
@@ -785,10 +739,7 @@
           </a:bodyPr>
           <a:p>
             <a:endParaRPr b="0" lang="en-US" sz="3200" spc="-1" strike="noStrike">
-              <a:solidFill>
-                <a:srgbClr val="000000"/>
-              </a:solidFill>
-              <a:latin typeface="Calibri"/>
+              <a:latin typeface="Arial"/>
             </a:endParaRPr>
           </a:p>
         </p:txBody>
@@ -817,7 +768,7 @@
       </p:grpSpPr>
       <p:sp>
         <p:nvSpPr>
-          <p:cNvPr id="50" name="PlaceHolder 1"/>
+          <p:cNvPr id="44" name="PlaceHolder 1"/>
           <p:cNvSpPr>
             <a:spLocks noGrp="1"/>
           </p:cNvSpPr>
@@ -839,18 +790,16 @@
             <a:noAutofit/>
           </a:bodyPr>
           <a:p>
-            <a:endParaRPr b="0" lang="en-US" sz="1800" spc="-1" strike="noStrike">
-              <a:solidFill>
-                <a:srgbClr val="000000"/>
-              </a:solidFill>
-              <a:latin typeface="Calibri"/>
-            </a:endParaRPr>
-          </a:p>
-        </p:txBody>
-      </p:sp>
-      <p:sp>
-        <p:nvSpPr>
-          <p:cNvPr id="51" name="PlaceHolder 2"/>
+            <a:pPr algn="ctr"/>
+            <a:endParaRPr b="0" lang="en-US" sz="4400" spc="-1" strike="noStrike">
+              <a:latin typeface="Arial"/>
+            </a:endParaRPr>
+          </a:p>
+        </p:txBody>
+      </p:sp>
+      <p:sp>
+        <p:nvSpPr>
+          <p:cNvPr id="45" name="PlaceHolder 2"/>
           <p:cNvSpPr>
             <a:spLocks noGrp="1"/>
           </p:cNvSpPr>
@@ -873,17 +822,14 @@
           </a:bodyPr>
           <a:p>
             <a:endParaRPr b="0" lang="en-US" sz="3200" spc="-1" strike="noStrike">
-              <a:solidFill>
-                <a:srgbClr val="000000"/>
-              </a:solidFill>
-              <a:latin typeface="Calibri"/>
-            </a:endParaRPr>
-          </a:p>
-        </p:txBody>
-      </p:sp>
-      <p:sp>
-        <p:nvSpPr>
-          <p:cNvPr id="52" name="PlaceHolder 3"/>
+              <a:latin typeface="Arial"/>
+            </a:endParaRPr>
+          </a:p>
+        </p:txBody>
+      </p:sp>
+      <p:sp>
+        <p:nvSpPr>
+          <p:cNvPr id="46" name="PlaceHolder 3"/>
           <p:cNvSpPr>
             <a:spLocks noGrp="1"/>
           </p:cNvSpPr>
@@ -906,10 +852,7 @@
           </a:bodyPr>
           <a:p>
             <a:endParaRPr b="0" lang="en-US" sz="3200" spc="-1" strike="noStrike">
-              <a:solidFill>
-                <a:srgbClr val="000000"/>
-              </a:solidFill>
-              <a:latin typeface="Calibri"/>
+              <a:latin typeface="Arial"/>
             </a:endParaRPr>
           </a:p>
         </p:txBody>
@@ -938,7 +881,7 @@
       </p:grpSpPr>
       <p:sp>
         <p:nvSpPr>
-          <p:cNvPr id="53" name="PlaceHolder 1"/>
+          <p:cNvPr id="47" name="PlaceHolder 1"/>
           <p:cNvSpPr>
             <a:spLocks noGrp="1"/>
           </p:cNvSpPr>
@@ -960,11 +903,9 @@
             <a:noAutofit/>
           </a:bodyPr>
           <a:p>
-            <a:endParaRPr b="0" lang="en-US" sz="1800" spc="-1" strike="noStrike">
-              <a:solidFill>
-                <a:srgbClr val="000000"/>
-              </a:solidFill>
-              <a:latin typeface="Calibri"/>
+            <a:pPr algn="ctr"/>
+            <a:endParaRPr b="0" lang="en-US" sz="4400" spc="-1" strike="noStrike">
+              <a:latin typeface="Arial"/>
             </a:endParaRPr>
           </a:p>
         </p:txBody>
@@ -993,7 +934,7 @@
       </p:grpSpPr>
       <p:sp>
         <p:nvSpPr>
-          <p:cNvPr id="54" name="PlaceHolder 1"/>
+          <p:cNvPr id="48" name="PlaceHolder 1"/>
           <p:cNvSpPr>
             <a:spLocks noGrp="1"/>
           </p:cNvSpPr>
@@ -1046,7 +987,7 @@
       </p:grpSpPr>
       <p:sp>
         <p:nvSpPr>
-          <p:cNvPr id="55" name="PlaceHolder 1"/>
+          <p:cNvPr id="49" name="PlaceHolder 1"/>
           <p:cNvSpPr>
             <a:spLocks noGrp="1"/>
           </p:cNvSpPr>
@@ -1068,18 +1009,16 @@
             <a:noAutofit/>
           </a:bodyPr>
           <a:p>
-            <a:endParaRPr b="0" lang="en-US" sz="1800" spc="-1" strike="noStrike">
-              <a:solidFill>
-                <a:srgbClr val="000000"/>
-              </a:solidFill>
-              <a:latin typeface="Calibri"/>
-            </a:endParaRPr>
-          </a:p>
-        </p:txBody>
-      </p:sp>
-      <p:sp>
-        <p:nvSpPr>
-          <p:cNvPr id="56" name="PlaceHolder 2"/>
+            <a:pPr algn="ctr"/>
+            <a:endParaRPr b="0" lang="en-US" sz="4400" spc="-1" strike="noStrike">
+              <a:latin typeface="Arial"/>
+            </a:endParaRPr>
+          </a:p>
+        </p:txBody>
+      </p:sp>
+      <p:sp>
+        <p:nvSpPr>
+          <p:cNvPr id="50" name="PlaceHolder 2"/>
           <p:cNvSpPr>
             <a:spLocks noGrp="1"/>
           </p:cNvSpPr>
@@ -1102,17 +1041,14 @@
           </a:bodyPr>
           <a:p>
             <a:endParaRPr b="0" lang="en-US" sz="3200" spc="-1" strike="noStrike">
-              <a:solidFill>
-                <a:srgbClr val="000000"/>
-              </a:solidFill>
-              <a:latin typeface="Calibri"/>
-            </a:endParaRPr>
-          </a:p>
-        </p:txBody>
-      </p:sp>
-      <p:sp>
-        <p:nvSpPr>
-          <p:cNvPr id="57" name="PlaceHolder 3"/>
+              <a:latin typeface="Arial"/>
+            </a:endParaRPr>
+          </a:p>
+        </p:txBody>
+      </p:sp>
+      <p:sp>
+        <p:nvSpPr>
+          <p:cNvPr id="51" name="PlaceHolder 3"/>
           <p:cNvSpPr>
             <a:spLocks noGrp="1"/>
           </p:cNvSpPr>
@@ -1135,17 +1071,14 @@
           </a:bodyPr>
           <a:p>
             <a:endParaRPr b="0" lang="en-US" sz="3200" spc="-1" strike="noStrike">
-              <a:solidFill>
-                <a:srgbClr val="000000"/>
-              </a:solidFill>
-              <a:latin typeface="Calibri"/>
-            </a:endParaRPr>
-          </a:p>
-        </p:txBody>
-      </p:sp>
-      <p:sp>
-        <p:nvSpPr>
-          <p:cNvPr id="58" name="PlaceHolder 4"/>
+              <a:latin typeface="Arial"/>
+            </a:endParaRPr>
+          </a:p>
+        </p:txBody>
+      </p:sp>
+      <p:sp>
+        <p:nvSpPr>
+          <p:cNvPr id="52" name="PlaceHolder 4"/>
           <p:cNvSpPr>
             <a:spLocks noGrp="1"/>
           </p:cNvSpPr>
@@ -1168,10 +1101,7 @@
           </a:bodyPr>
           <a:p>
             <a:endParaRPr b="0" lang="en-US" sz="3200" spc="-1" strike="noStrike">
-              <a:solidFill>
-                <a:srgbClr val="000000"/>
-              </a:solidFill>
-              <a:latin typeface="Calibri"/>
+              <a:latin typeface="Arial"/>
             </a:endParaRPr>
           </a:p>
         </p:txBody>
@@ -1200,7 +1130,7 @@
       </p:grpSpPr>
       <p:sp>
         <p:nvSpPr>
-          <p:cNvPr id="5" name="PlaceHolder 1"/>
+          <p:cNvPr id="2" name="PlaceHolder 1"/>
           <p:cNvSpPr>
             <a:spLocks noGrp="1"/>
           </p:cNvSpPr>
@@ -1222,18 +1152,16 @@
             <a:noAutofit/>
           </a:bodyPr>
           <a:p>
-            <a:endParaRPr b="0" lang="en-US" sz="1800" spc="-1" strike="noStrike">
-              <a:solidFill>
-                <a:srgbClr val="000000"/>
-              </a:solidFill>
-              <a:latin typeface="Calibri"/>
-            </a:endParaRPr>
-          </a:p>
-        </p:txBody>
-      </p:sp>
-      <p:sp>
-        <p:nvSpPr>
-          <p:cNvPr id="6" name="PlaceHolder 2"/>
+            <a:pPr algn="ctr"/>
+            <a:endParaRPr b="0" lang="en-US" sz="4400" spc="-1" strike="noStrike">
+              <a:latin typeface="Arial"/>
+            </a:endParaRPr>
+          </a:p>
+        </p:txBody>
+      </p:sp>
+      <p:sp>
+        <p:nvSpPr>
+          <p:cNvPr id="3" name="PlaceHolder 2"/>
           <p:cNvSpPr>
             <a:spLocks noGrp="1"/>
           </p:cNvSpPr>
@@ -1286,7 +1214,7 @@
       </p:grpSpPr>
       <p:sp>
         <p:nvSpPr>
-          <p:cNvPr id="59" name="PlaceHolder 1"/>
+          <p:cNvPr id="53" name="PlaceHolder 1"/>
           <p:cNvSpPr>
             <a:spLocks noGrp="1"/>
           </p:cNvSpPr>
@@ -1308,18 +1236,16 @@
             <a:noAutofit/>
           </a:bodyPr>
           <a:p>
-            <a:endParaRPr b="0" lang="en-US" sz="1800" spc="-1" strike="noStrike">
-              <a:solidFill>
-                <a:srgbClr val="000000"/>
-              </a:solidFill>
-              <a:latin typeface="Calibri"/>
-            </a:endParaRPr>
-          </a:p>
-        </p:txBody>
-      </p:sp>
-      <p:sp>
-        <p:nvSpPr>
-          <p:cNvPr id="60" name="PlaceHolder 2"/>
+            <a:pPr algn="ctr"/>
+            <a:endParaRPr b="0" lang="en-US" sz="4400" spc="-1" strike="noStrike">
+              <a:latin typeface="Arial"/>
+            </a:endParaRPr>
+          </a:p>
+        </p:txBody>
+      </p:sp>
+      <p:sp>
+        <p:nvSpPr>
+          <p:cNvPr id="54" name="PlaceHolder 2"/>
           <p:cNvSpPr>
             <a:spLocks noGrp="1"/>
           </p:cNvSpPr>
@@ -1342,17 +1268,14 @@
           </a:bodyPr>
           <a:p>
             <a:endParaRPr b="0" lang="en-US" sz="3200" spc="-1" strike="noStrike">
-              <a:solidFill>
-                <a:srgbClr val="000000"/>
-              </a:solidFill>
-              <a:latin typeface="Calibri"/>
-            </a:endParaRPr>
-          </a:p>
-        </p:txBody>
-      </p:sp>
-      <p:sp>
-        <p:nvSpPr>
-          <p:cNvPr id="61" name="PlaceHolder 3"/>
+              <a:latin typeface="Arial"/>
+            </a:endParaRPr>
+          </a:p>
+        </p:txBody>
+      </p:sp>
+      <p:sp>
+        <p:nvSpPr>
+          <p:cNvPr id="55" name="PlaceHolder 3"/>
           <p:cNvSpPr>
             <a:spLocks noGrp="1"/>
           </p:cNvSpPr>
@@ -1375,17 +1298,14 @@
           </a:bodyPr>
           <a:p>
             <a:endParaRPr b="0" lang="en-US" sz="3200" spc="-1" strike="noStrike">
-              <a:solidFill>
-                <a:srgbClr val="000000"/>
-              </a:solidFill>
-              <a:latin typeface="Calibri"/>
-            </a:endParaRPr>
-          </a:p>
-        </p:txBody>
-      </p:sp>
-      <p:sp>
-        <p:nvSpPr>
-          <p:cNvPr id="62" name="PlaceHolder 4"/>
+              <a:latin typeface="Arial"/>
+            </a:endParaRPr>
+          </a:p>
+        </p:txBody>
+      </p:sp>
+      <p:sp>
+        <p:nvSpPr>
+          <p:cNvPr id="56" name="PlaceHolder 4"/>
           <p:cNvSpPr>
             <a:spLocks noGrp="1"/>
           </p:cNvSpPr>
@@ -1408,10 +1328,7 @@
           </a:bodyPr>
           <a:p>
             <a:endParaRPr b="0" lang="en-US" sz="3200" spc="-1" strike="noStrike">
-              <a:solidFill>
-                <a:srgbClr val="000000"/>
-              </a:solidFill>
-              <a:latin typeface="Calibri"/>
+              <a:latin typeface="Arial"/>
             </a:endParaRPr>
           </a:p>
         </p:txBody>
@@ -1440,7 +1357,7 @@
       </p:grpSpPr>
       <p:sp>
         <p:nvSpPr>
-          <p:cNvPr id="63" name="PlaceHolder 1"/>
+          <p:cNvPr id="57" name="PlaceHolder 1"/>
           <p:cNvSpPr>
             <a:spLocks noGrp="1"/>
           </p:cNvSpPr>
@@ -1462,18 +1379,16 @@
             <a:noAutofit/>
           </a:bodyPr>
           <a:p>
-            <a:endParaRPr b="0" lang="en-US" sz="1800" spc="-1" strike="noStrike">
-              <a:solidFill>
-                <a:srgbClr val="000000"/>
-              </a:solidFill>
-              <a:latin typeface="Calibri"/>
-            </a:endParaRPr>
-          </a:p>
-        </p:txBody>
-      </p:sp>
-      <p:sp>
-        <p:nvSpPr>
-          <p:cNvPr id="64" name="PlaceHolder 2"/>
+            <a:pPr algn="ctr"/>
+            <a:endParaRPr b="0" lang="en-US" sz="4400" spc="-1" strike="noStrike">
+              <a:latin typeface="Arial"/>
+            </a:endParaRPr>
+          </a:p>
+        </p:txBody>
+      </p:sp>
+      <p:sp>
+        <p:nvSpPr>
+          <p:cNvPr id="58" name="PlaceHolder 2"/>
           <p:cNvSpPr>
             <a:spLocks noGrp="1"/>
           </p:cNvSpPr>
@@ -1496,17 +1411,14 @@
           </a:bodyPr>
           <a:p>
             <a:endParaRPr b="0" lang="en-US" sz="3200" spc="-1" strike="noStrike">
-              <a:solidFill>
-                <a:srgbClr val="000000"/>
-              </a:solidFill>
-              <a:latin typeface="Calibri"/>
-            </a:endParaRPr>
-          </a:p>
-        </p:txBody>
-      </p:sp>
-      <p:sp>
-        <p:nvSpPr>
-          <p:cNvPr id="65" name="PlaceHolder 3"/>
+              <a:latin typeface="Arial"/>
+            </a:endParaRPr>
+          </a:p>
+        </p:txBody>
+      </p:sp>
+      <p:sp>
+        <p:nvSpPr>
+          <p:cNvPr id="59" name="PlaceHolder 3"/>
           <p:cNvSpPr>
             <a:spLocks noGrp="1"/>
           </p:cNvSpPr>
@@ -1529,17 +1441,14 @@
           </a:bodyPr>
           <a:p>
             <a:endParaRPr b="0" lang="en-US" sz="3200" spc="-1" strike="noStrike">
-              <a:solidFill>
-                <a:srgbClr val="000000"/>
-              </a:solidFill>
-              <a:latin typeface="Calibri"/>
-            </a:endParaRPr>
-          </a:p>
-        </p:txBody>
-      </p:sp>
-      <p:sp>
-        <p:nvSpPr>
-          <p:cNvPr id="66" name="PlaceHolder 4"/>
+              <a:latin typeface="Arial"/>
+            </a:endParaRPr>
+          </a:p>
+        </p:txBody>
+      </p:sp>
+      <p:sp>
+        <p:nvSpPr>
+          <p:cNvPr id="60" name="PlaceHolder 4"/>
           <p:cNvSpPr>
             <a:spLocks noGrp="1"/>
           </p:cNvSpPr>
@@ -1562,10 +1471,7 @@
           </a:bodyPr>
           <a:p>
             <a:endParaRPr b="0" lang="en-US" sz="3200" spc="-1" strike="noStrike">
-              <a:solidFill>
-                <a:srgbClr val="000000"/>
-              </a:solidFill>
-              <a:latin typeface="Calibri"/>
+              <a:latin typeface="Arial"/>
             </a:endParaRPr>
           </a:p>
         </p:txBody>
@@ -1594,7 +1500,7 @@
       </p:grpSpPr>
       <p:sp>
         <p:nvSpPr>
-          <p:cNvPr id="67" name="PlaceHolder 1"/>
+          <p:cNvPr id="61" name="PlaceHolder 1"/>
           <p:cNvSpPr>
             <a:spLocks noGrp="1"/>
           </p:cNvSpPr>
@@ -1616,18 +1522,16 @@
             <a:noAutofit/>
           </a:bodyPr>
           <a:p>
-            <a:endParaRPr b="0" lang="en-US" sz="1800" spc="-1" strike="noStrike">
-              <a:solidFill>
-                <a:srgbClr val="000000"/>
-              </a:solidFill>
-              <a:latin typeface="Calibri"/>
-            </a:endParaRPr>
-          </a:p>
-        </p:txBody>
-      </p:sp>
-      <p:sp>
-        <p:nvSpPr>
-          <p:cNvPr id="68" name="PlaceHolder 2"/>
+            <a:pPr algn="ctr"/>
+            <a:endParaRPr b="0" lang="en-US" sz="4400" spc="-1" strike="noStrike">
+              <a:latin typeface="Arial"/>
+            </a:endParaRPr>
+          </a:p>
+        </p:txBody>
+      </p:sp>
+      <p:sp>
+        <p:nvSpPr>
+          <p:cNvPr id="62" name="PlaceHolder 2"/>
           <p:cNvSpPr>
             <a:spLocks noGrp="1"/>
           </p:cNvSpPr>
@@ -1650,17 +1554,14 @@
           </a:bodyPr>
           <a:p>
             <a:endParaRPr b="0" lang="en-US" sz="3200" spc="-1" strike="noStrike">
-              <a:solidFill>
-                <a:srgbClr val="000000"/>
-              </a:solidFill>
-              <a:latin typeface="Calibri"/>
-            </a:endParaRPr>
-          </a:p>
-        </p:txBody>
-      </p:sp>
-      <p:sp>
-        <p:nvSpPr>
-          <p:cNvPr id="69" name="PlaceHolder 3"/>
+              <a:latin typeface="Arial"/>
+            </a:endParaRPr>
+          </a:p>
+        </p:txBody>
+      </p:sp>
+      <p:sp>
+        <p:nvSpPr>
+          <p:cNvPr id="63" name="PlaceHolder 3"/>
           <p:cNvSpPr>
             <a:spLocks noGrp="1"/>
           </p:cNvSpPr>
@@ -1683,10 +1584,7 @@
           </a:bodyPr>
           <a:p>
             <a:endParaRPr b="0" lang="en-US" sz="3200" spc="-1" strike="noStrike">
-              <a:solidFill>
-                <a:srgbClr val="000000"/>
-              </a:solidFill>
-              <a:latin typeface="Calibri"/>
+              <a:latin typeface="Arial"/>
             </a:endParaRPr>
           </a:p>
         </p:txBody>
@@ -1715,7 +1613,7 @@
       </p:grpSpPr>
       <p:sp>
         <p:nvSpPr>
-          <p:cNvPr id="70" name="PlaceHolder 1"/>
+          <p:cNvPr id="64" name="PlaceHolder 1"/>
           <p:cNvSpPr>
             <a:spLocks noGrp="1"/>
           </p:cNvSpPr>
@@ -1737,18 +1635,16 @@
             <a:noAutofit/>
           </a:bodyPr>
           <a:p>
-            <a:endParaRPr b="0" lang="en-US" sz="1800" spc="-1" strike="noStrike">
-              <a:solidFill>
-                <a:srgbClr val="000000"/>
-              </a:solidFill>
-              <a:latin typeface="Calibri"/>
-            </a:endParaRPr>
-          </a:p>
-        </p:txBody>
-      </p:sp>
-      <p:sp>
-        <p:nvSpPr>
-          <p:cNvPr id="71" name="PlaceHolder 2"/>
+            <a:pPr algn="ctr"/>
+            <a:endParaRPr b="0" lang="en-US" sz="4400" spc="-1" strike="noStrike">
+              <a:latin typeface="Arial"/>
+            </a:endParaRPr>
+          </a:p>
+        </p:txBody>
+      </p:sp>
+      <p:sp>
+        <p:nvSpPr>
+          <p:cNvPr id="65" name="PlaceHolder 2"/>
           <p:cNvSpPr>
             <a:spLocks noGrp="1"/>
           </p:cNvSpPr>
@@ -1771,17 +1667,14 @@
           </a:bodyPr>
           <a:p>
             <a:endParaRPr b="0" lang="en-US" sz="3200" spc="-1" strike="noStrike">
-              <a:solidFill>
-                <a:srgbClr val="000000"/>
-              </a:solidFill>
-              <a:latin typeface="Calibri"/>
-            </a:endParaRPr>
-          </a:p>
-        </p:txBody>
-      </p:sp>
-      <p:sp>
-        <p:nvSpPr>
-          <p:cNvPr id="72" name="PlaceHolder 3"/>
+              <a:latin typeface="Arial"/>
+            </a:endParaRPr>
+          </a:p>
+        </p:txBody>
+      </p:sp>
+      <p:sp>
+        <p:nvSpPr>
+          <p:cNvPr id="66" name="PlaceHolder 3"/>
           <p:cNvSpPr>
             <a:spLocks noGrp="1"/>
           </p:cNvSpPr>
@@ -1804,17 +1697,14 @@
           </a:bodyPr>
           <a:p>
             <a:endParaRPr b="0" lang="en-US" sz="3200" spc="-1" strike="noStrike">
-              <a:solidFill>
-                <a:srgbClr val="000000"/>
-              </a:solidFill>
-              <a:latin typeface="Calibri"/>
-            </a:endParaRPr>
-          </a:p>
-        </p:txBody>
-      </p:sp>
-      <p:sp>
-        <p:nvSpPr>
-          <p:cNvPr id="73" name="PlaceHolder 4"/>
+              <a:latin typeface="Arial"/>
+            </a:endParaRPr>
+          </a:p>
+        </p:txBody>
+      </p:sp>
+      <p:sp>
+        <p:nvSpPr>
+          <p:cNvPr id="67" name="PlaceHolder 4"/>
           <p:cNvSpPr>
             <a:spLocks noGrp="1"/>
           </p:cNvSpPr>
@@ -1837,17 +1727,14 @@
           </a:bodyPr>
           <a:p>
             <a:endParaRPr b="0" lang="en-US" sz="3200" spc="-1" strike="noStrike">
-              <a:solidFill>
-                <a:srgbClr val="000000"/>
-              </a:solidFill>
-              <a:latin typeface="Calibri"/>
-            </a:endParaRPr>
-          </a:p>
-        </p:txBody>
-      </p:sp>
-      <p:sp>
-        <p:nvSpPr>
-          <p:cNvPr id="74" name="PlaceHolder 5"/>
+              <a:latin typeface="Arial"/>
+            </a:endParaRPr>
+          </a:p>
+        </p:txBody>
+      </p:sp>
+      <p:sp>
+        <p:nvSpPr>
+          <p:cNvPr id="68" name="PlaceHolder 5"/>
           <p:cNvSpPr>
             <a:spLocks noGrp="1"/>
           </p:cNvSpPr>
@@ -1870,10 +1757,7 @@
           </a:bodyPr>
           <a:p>
             <a:endParaRPr b="0" lang="en-US" sz="3200" spc="-1" strike="noStrike">
-              <a:solidFill>
-                <a:srgbClr val="000000"/>
-              </a:solidFill>
-              <a:latin typeface="Calibri"/>
+              <a:latin typeface="Arial"/>
             </a:endParaRPr>
           </a:p>
         </p:txBody>
@@ -1902,7 +1786,7 @@
       </p:grpSpPr>
       <p:sp>
         <p:nvSpPr>
-          <p:cNvPr id="75" name="PlaceHolder 1"/>
+          <p:cNvPr id="69" name="PlaceHolder 1"/>
           <p:cNvSpPr>
             <a:spLocks noGrp="1"/>
           </p:cNvSpPr>
@@ -1924,18 +1808,16 @@
             <a:noAutofit/>
           </a:bodyPr>
           <a:p>
-            <a:endParaRPr b="0" lang="en-US" sz="1800" spc="-1" strike="noStrike">
-              <a:solidFill>
-                <a:srgbClr val="000000"/>
-              </a:solidFill>
-              <a:latin typeface="Calibri"/>
-            </a:endParaRPr>
-          </a:p>
-        </p:txBody>
-      </p:sp>
-      <p:sp>
-        <p:nvSpPr>
-          <p:cNvPr id="76" name="PlaceHolder 2"/>
+            <a:pPr algn="ctr"/>
+            <a:endParaRPr b="0" lang="en-US" sz="4400" spc="-1" strike="noStrike">
+              <a:latin typeface="Arial"/>
+            </a:endParaRPr>
+          </a:p>
+        </p:txBody>
+      </p:sp>
+      <p:sp>
+        <p:nvSpPr>
+          <p:cNvPr id="70" name="PlaceHolder 2"/>
           <p:cNvSpPr>
             <a:spLocks noGrp="1"/>
           </p:cNvSpPr>
@@ -1958,17 +1840,14 @@
           </a:bodyPr>
           <a:p>
             <a:endParaRPr b="0" lang="en-US" sz="3200" spc="-1" strike="noStrike">
-              <a:solidFill>
-                <a:srgbClr val="000000"/>
-              </a:solidFill>
-              <a:latin typeface="Calibri"/>
-            </a:endParaRPr>
-          </a:p>
-        </p:txBody>
-      </p:sp>
-      <p:sp>
-        <p:nvSpPr>
-          <p:cNvPr id="77" name="PlaceHolder 3"/>
+              <a:latin typeface="Arial"/>
+            </a:endParaRPr>
+          </a:p>
+        </p:txBody>
+      </p:sp>
+      <p:sp>
+        <p:nvSpPr>
+          <p:cNvPr id="71" name="PlaceHolder 3"/>
           <p:cNvSpPr>
             <a:spLocks noGrp="1"/>
           </p:cNvSpPr>
@@ -1991,17 +1870,14 @@
           </a:bodyPr>
           <a:p>
             <a:endParaRPr b="0" lang="en-US" sz="3200" spc="-1" strike="noStrike">
-              <a:solidFill>
-                <a:srgbClr val="000000"/>
-              </a:solidFill>
-              <a:latin typeface="Calibri"/>
-            </a:endParaRPr>
-          </a:p>
-        </p:txBody>
-      </p:sp>
-      <p:sp>
-        <p:nvSpPr>
-          <p:cNvPr id="78" name="PlaceHolder 4"/>
+              <a:latin typeface="Arial"/>
+            </a:endParaRPr>
+          </a:p>
+        </p:txBody>
+      </p:sp>
+      <p:sp>
+        <p:nvSpPr>
+          <p:cNvPr id="72" name="PlaceHolder 4"/>
           <p:cNvSpPr>
             <a:spLocks noGrp="1"/>
           </p:cNvSpPr>
@@ -2024,17 +1900,14 @@
           </a:bodyPr>
           <a:p>
             <a:endParaRPr b="0" lang="en-US" sz="3200" spc="-1" strike="noStrike">
-              <a:solidFill>
-                <a:srgbClr val="000000"/>
-              </a:solidFill>
-              <a:latin typeface="Calibri"/>
-            </a:endParaRPr>
-          </a:p>
-        </p:txBody>
-      </p:sp>
-      <p:sp>
-        <p:nvSpPr>
-          <p:cNvPr id="79" name="PlaceHolder 5"/>
+              <a:latin typeface="Arial"/>
+            </a:endParaRPr>
+          </a:p>
+        </p:txBody>
+      </p:sp>
+      <p:sp>
+        <p:nvSpPr>
+          <p:cNvPr id="73" name="PlaceHolder 5"/>
           <p:cNvSpPr>
             <a:spLocks noGrp="1"/>
           </p:cNvSpPr>
@@ -2057,17 +1930,14 @@
           </a:bodyPr>
           <a:p>
             <a:endParaRPr b="0" lang="en-US" sz="3200" spc="-1" strike="noStrike">
-              <a:solidFill>
-                <a:srgbClr val="000000"/>
-              </a:solidFill>
-              <a:latin typeface="Calibri"/>
-            </a:endParaRPr>
-          </a:p>
-        </p:txBody>
-      </p:sp>
-      <p:sp>
-        <p:nvSpPr>
-          <p:cNvPr id="80" name="PlaceHolder 6"/>
+              <a:latin typeface="Arial"/>
+            </a:endParaRPr>
+          </a:p>
+        </p:txBody>
+      </p:sp>
+      <p:sp>
+        <p:nvSpPr>
+          <p:cNvPr id="74" name="PlaceHolder 6"/>
           <p:cNvSpPr>
             <a:spLocks noGrp="1"/>
           </p:cNvSpPr>
@@ -2090,17 +1960,14 @@
           </a:bodyPr>
           <a:p>
             <a:endParaRPr b="0" lang="en-US" sz="3200" spc="-1" strike="noStrike">
-              <a:solidFill>
-                <a:srgbClr val="000000"/>
-              </a:solidFill>
-              <a:latin typeface="Calibri"/>
-            </a:endParaRPr>
-          </a:p>
-        </p:txBody>
-      </p:sp>
-      <p:sp>
-        <p:nvSpPr>
-          <p:cNvPr id="81" name="PlaceHolder 7"/>
+              <a:latin typeface="Arial"/>
+            </a:endParaRPr>
+          </a:p>
+        </p:txBody>
+      </p:sp>
+      <p:sp>
+        <p:nvSpPr>
+          <p:cNvPr id="75" name="PlaceHolder 7"/>
           <p:cNvSpPr>
             <a:spLocks noGrp="1"/>
           </p:cNvSpPr>
@@ -2123,10 +1990,7 @@
           </a:bodyPr>
           <a:p>
             <a:endParaRPr b="0" lang="en-US" sz="3200" spc="-1" strike="noStrike">
-              <a:solidFill>
-                <a:srgbClr val="000000"/>
-              </a:solidFill>
-              <a:latin typeface="Calibri"/>
+              <a:latin typeface="Arial"/>
             </a:endParaRPr>
           </a:p>
         </p:txBody>
@@ -2177,7 +2041,7 @@
       </p:grpSpPr>
       <p:sp>
         <p:nvSpPr>
-          <p:cNvPr id="87" name="PlaceHolder 1"/>
+          <p:cNvPr id="78" name="PlaceHolder 1"/>
           <p:cNvSpPr>
             <a:spLocks noGrp="1"/>
           </p:cNvSpPr>
@@ -2199,18 +2063,16 @@
             <a:noAutofit/>
           </a:bodyPr>
           <a:p>
-            <a:endParaRPr b="0" lang="en-US" sz="1800" spc="-1" strike="noStrike">
-              <a:solidFill>
-                <a:srgbClr val="000000"/>
-              </a:solidFill>
-              <a:latin typeface="Calibri"/>
-            </a:endParaRPr>
-          </a:p>
-        </p:txBody>
-      </p:sp>
-      <p:sp>
-        <p:nvSpPr>
-          <p:cNvPr id="88" name="PlaceHolder 2"/>
+            <a:pPr algn="ctr"/>
+            <a:endParaRPr b="0" lang="en-US" sz="4400" spc="-1" strike="noStrike">
+              <a:latin typeface="Arial"/>
+            </a:endParaRPr>
+          </a:p>
+        </p:txBody>
+      </p:sp>
+      <p:sp>
+        <p:nvSpPr>
+          <p:cNvPr id="79" name="PlaceHolder 2"/>
           <p:cNvSpPr>
             <a:spLocks noGrp="1"/>
           </p:cNvSpPr>
@@ -2263,7 +2125,7 @@
       </p:grpSpPr>
       <p:sp>
         <p:nvSpPr>
-          <p:cNvPr id="89" name="PlaceHolder 1"/>
+          <p:cNvPr id="80" name="PlaceHolder 1"/>
           <p:cNvSpPr>
             <a:spLocks noGrp="1"/>
           </p:cNvSpPr>
@@ -2285,18 +2147,16 @@
             <a:noAutofit/>
           </a:bodyPr>
           <a:p>
-            <a:endParaRPr b="0" lang="en-US" sz="1800" spc="-1" strike="noStrike">
-              <a:solidFill>
-                <a:srgbClr val="000000"/>
-              </a:solidFill>
-              <a:latin typeface="Calibri"/>
-            </a:endParaRPr>
-          </a:p>
-        </p:txBody>
-      </p:sp>
-      <p:sp>
-        <p:nvSpPr>
-          <p:cNvPr id="90" name="PlaceHolder 2"/>
+            <a:pPr algn="ctr"/>
+            <a:endParaRPr b="0" lang="en-US" sz="4400" spc="-1" strike="noStrike">
+              <a:latin typeface="Arial"/>
+            </a:endParaRPr>
+          </a:p>
+        </p:txBody>
+      </p:sp>
+      <p:sp>
+        <p:nvSpPr>
+          <p:cNvPr id="81" name="PlaceHolder 2"/>
           <p:cNvSpPr>
             <a:spLocks noGrp="1"/>
           </p:cNvSpPr>
@@ -2319,10 +2179,7 @@
           </a:bodyPr>
           <a:p>
             <a:endParaRPr b="0" lang="en-US" sz="3200" spc="-1" strike="noStrike">
-              <a:solidFill>
-                <a:srgbClr val="000000"/>
-              </a:solidFill>
-              <a:latin typeface="Calibri"/>
+              <a:latin typeface="Arial"/>
             </a:endParaRPr>
           </a:p>
         </p:txBody>
@@ -2351,7 +2208,7 @@
       </p:grpSpPr>
       <p:sp>
         <p:nvSpPr>
-          <p:cNvPr id="91" name="PlaceHolder 1"/>
+          <p:cNvPr id="82" name="PlaceHolder 1"/>
           <p:cNvSpPr>
             <a:spLocks noGrp="1"/>
           </p:cNvSpPr>
@@ -2373,18 +2230,16 @@
             <a:noAutofit/>
           </a:bodyPr>
           <a:p>
-            <a:endParaRPr b="0" lang="en-US" sz="1800" spc="-1" strike="noStrike">
-              <a:solidFill>
-                <a:srgbClr val="000000"/>
-              </a:solidFill>
-              <a:latin typeface="Calibri"/>
-            </a:endParaRPr>
-          </a:p>
-        </p:txBody>
-      </p:sp>
-      <p:sp>
-        <p:nvSpPr>
-          <p:cNvPr id="92" name="PlaceHolder 2"/>
+            <a:pPr algn="ctr"/>
+            <a:endParaRPr b="0" lang="en-US" sz="4400" spc="-1" strike="noStrike">
+              <a:latin typeface="Arial"/>
+            </a:endParaRPr>
+          </a:p>
+        </p:txBody>
+      </p:sp>
+      <p:sp>
+        <p:nvSpPr>
+          <p:cNvPr id="83" name="PlaceHolder 2"/>
           <p:cNvSpPr>
             <a:spLocks noGrp="1"/>
           </p:cNvSpPr>
@@ -2407,17 +2262,14 @@
           </a:bodyPr>
           <a:p>
             <a:endParaRPr b="0" lang="en-US" sz="3200" spc="-1" strike="noStrike">
-              <a:solidFill>
-                <a:srgbClr val="000000"/>
-              </a:solidFill>
-              <a:latin typeface="Calibri"/>
-            </a:endParaRPr>
-          </a:p>
-        </p:txBody>
-      </p:sp>
-      <p:sp>
-        <p:nvSpPr>
-          <p:cNvPr id="93" name="PlaceHolder 3"/>
+              <a:latin typeface="Arial"/>
+            </a:endParaRPr>
+          </a:p>
+        </p:txBody>
+      </p:sp>
+      <p:sp>
+        <p:nvSpPr>
+          <p:cNvPr id="84" name="PlaceHolder 3"/>
           <p:cNvSpPr>
             <a:spLocks noGrp="1"/>
           </p:cNvSpPr>
@@ -2440,10 +2292,7 @@
           </a:bodyPr>
           <a:p>
             <a:endParaRPr b="0" lang="en-US" sz="3200" spc="-1" strike="noStrike">
-              <a:solidFill>
-                <a:srgbClr val="000000"/>
-              </a:solidFill>
-              <a:latin typeface="Calibri"/>
+              <a:latin typeface="Arial"/>
             </a:endParaRPr>
           </a:p>
         </p:txBody>
@@ -2472,7 +2321,7 @@
       </p:grpSpPr>
       <p:sp>
         <p:nvSpPr>
-          <p:cNvPr id="94" name="PlaceHolder 1"/>
+          <p:cNvPr id="85" name="PlaceHolder 1"/>
           <p:cNvSpPr>
             <a:spLocks noGrp="1"/>
           </p:cNvSpPr>
@@ -2494,11 +2343,9 @@
             <a:noAutofit/>
           </a:bodyPr>
           <a:p>
-            <a:endParaRPr b="0" lang="en-US" sz="1800" spc="-1" strike="noStrike">
-              <a:solidFill>
-                <a:srgbClr val="000000"/>
-              </a:solidFill>
-              <a:latin typeface="Calibri"/>
+            <a:pPr algn="ctr"/>
+            <a:endParaRPr b="0" lang="en-US" sz="4400" spc="-1" strike="noStrike">
+              <a:latin typeface="Arial"/>
             </a:endParaRPr>
           </a:p>
         </p:txBody>
@@ -2527,7 +2374,7 @@
       </p:grpSpPr>
       <p:sp>
         <p:nvSpPr>
-          <p:cNvPr id="7" name="PlaceHolder 1"/>
+          <p:cNvPr id="4" name="PlaceHolder 1"/>
           <p:cNvSpPr>
             <a:spLocks noGrp="1"/>
           </p:cNvSpPr>
@@ -2549,18 +2396,16 @@
             <a:noAutofit/>
           </a:bodyPr>
           <a:p>
-            <a:endParaRPr b="0" lang="en-US" sz="1800" spc="-1" strike="noStrike">
-              <a:solidFill>
-                <a:srgbClr val="000000"/>
-              </a:solidFill>
-              <a:latin typeface="Calibri"/>
-            </a:endParaRPr>
-          </a:p>
-        </p:txBody>
-      </p:sp>
-      <p:sp>
-        <p:nvSpPr>
-          <p:cNvPr id="8" name="PlaceHolder 2"/>
+            <a:pPr algn="ctr"/>
+            <a:endParaRPr b="0" lang="en-US" sz="4400" spc="-1" strike="noStrike">
+              <a:latin typeface="Arial"/>
+            </a:endParaRPr>
+          </a:p>
+        </p:txBody>
+      </p:sp>
+      <p:sp>
+        <p:nvSpPr>
+          <p:cNvPr id="5" name="PlaceHolder 2"/>
           <p:cNvSpPr>
             <a:spLocks noGrp="1"/>
           </p:cNvSpPr>
@@ -2583,10 +2428,7 @@
           </a:bodyPr>
           <a:p>
             <a:endParaRPr b="0" lang="en-US" sz="3200" spc="-1" strike="noStrike">
-              <a:solidFill>
-                <a:srgbClr val="000000"/>
-              </a:solidFill>
-              <a:latin typeface="Calibri"/>
+              <a:latin typeface="Arial"/>
             </a:endParaRPr>
           </a:p>
         </p:txBody>
@@ -2615,7 +2457,7 @@
       </p:grpSpPr>
       <p:sp>
         <p:nvSpPr>
-          <p:cNvPr id="95" name="PlaceHolder 1"/>
+          <p:cNvPr id="86" name="PlaceHolder 1"/>
           <p:cNvSpPr>
             <a:spLocks noGrp="1"/>
           </p:cNvSpPr>
@@ -2668,7 +2510,7 @@
       </p:grpSpPr>
       <p:sp>
         <p:nvSpPr>
-          <p:cNvPr id="96" name="PlaceHolder 1"/>
+          <p:cNvPr id="87" name="PlaceHolder 1"/>
           <p:cNvSpPr>
             <a:spLocks noGrp="1"/>
           </p:cNvSpPr>
@@ -2690,18 +2532,16 @@
             <a:noAutofit/>
           </a:bodyPr>
           <a:p>
-            <a:endParaRPr b="0" lang="en-US" sz="1800" spc="-1" strike="noStrike">
-              <a:solidFill>
-                <a:srgbClr val="000000"/>
-              </a:solidFill>
-              <a:latin typeface="Calibri"/>
-            </a:endParaRPr>
-          </a:p>
-        </p:txBody>
-      </p:sp>
-      <p:sp>
-        <p:nvSpPr>
-          <p:cNvPr id="97" name="PlaceHolder 2"/>
+            <a:pPr algn="ctr"/>
+            <a:endParaRPr b="0" lang="en-US" sz="4400" spc="-1" strike="noStrike">
+              <a:latin typeface="Arial"/>
+            </a:endParaRPr>
+          </a:p>
+        </p:txBody>
+      </p:sp>
+      <p:sp>
+        <p:nvSpPr>
+          <p:cNvPr id="88" name="PlaceHolder 2"/>
           <p:cNvSpPr>
             <a:spLocks noGrp="1"/>
           </p:cNvSpPr>
@@ -2724,17 +2564,14 @@
           </a:bodyPr>
           <a:p>
             <a:endParaRPr b="0" lang="en-US" sz="3200" spc="-1" strike="noStrike">
-              <a:solidFill>
-                <a:srgbClr val="000000"/>
-              </a:solidFill>
-              <a:latin typeface="Calibri"/>
-            </a:endParaRPr>
-          </a:p>
-        </p:txBody>
-      </p:sp>
-      <p:sp>
-        <p:nvSpPr>
-          <p:cNvPr id="98" name="PlaceHolder 3"/>
+              <a:latin typeface="Arial"/>
+            </a:endParaRPr>
+          </a:p>
+        </p:txBody>
+      </p:sp>
+      <p:sp>
+        <p:nvSpPr>
+          <p:cNvPr id="89" name="PlaceHolder 3"/>
           <p:cNvSpPr>
             <a:spLocks noGrp="1"/>
           </p:cNvSpPr>
@@ -2757,17 +2594,14 @@
           </a:bodyPr>
           <a:p>
             <a:endParaRPr b="0" lang="en-US" sz="3200" spc="-1" strike="noStrike">
-              <a:solidFill>
-                <a:srgbClr val="000000"/>
-              </a:solidFill>
-              <a:latin typeface="Calibri"/>
-            </a:endParaRPr>
-          </a:p>
-        </p:txBody>
-      </p:sp>
-      <p:sp>
-        <p:nvSpPr>
-          <p:cNvPr id="99" name="PlaceHolder 4"/>
+              <a:latin typeface="Arial"/>
+            </a:endParaRPr>
+          </a:p>
+        </p:txBody>
+      </p:sp>
+      <p:sp>
+        <p:nvSpPr>
+          <p:cNvPr id="90" name="PlaceHolder 4"/>
           <p:cNvSpPr>
             <a:spLocks noGrp="1"/>
           </p:cNvSpPr>
@@ -2790,10 +2624,7 @@
           </a:bodyPr>
           <a:p>
             <a:endParaRPr b="0" lang="en-US" sz="3200" spc="-1" strike="noStrike">
-              <a:solidFill>
-                <a:srgbClr val="000000"/>
-              </a:solidFill>
-              <a:latin typeface="Calibri"/>
+              <a:latin typeface="Arial"/>
             </a:endParaRPr>
           </a:p>
         </p:txBody>
@@ -2822,7 +2653,7 @@
       </p:grpSpPr>
       <p:sp>
         <p:nvSpPr>
-          <p:cNvPr id="100" name="PlaceHolder 1"/>
+          <p:cNvPr id="91" name="PlaceHolder 1"/>
           <p:cNvSpPr>
             <a:spLocks noGrp="1"/>
           </p:cNvSpPr>
@@ -2844,18 +2675,16 @@
             <a:noAutofit/>
           </a:bodyPr>
           <a:p>
-            <a:endParaRPr b="0" lang="en-US" sz="1800" spc="-1" strike="noStrike">
-              <a:solidFill>
-                <a:srgbClr val="000000"/>
-              </a:solidFill>
-              <a:latin typeface="Calibri"/>
-            </a:endParaRPr>
-          </a:p>
-        </p:txBody>
-      </p:sp>
-      <p:sp>
-        <p:nvSpPr>
-          <p:cNvPr id="101" name="PlaceHolder 2"/>
+            <a:pPr algn="ctr"/>
+            <a:endParaRPr b="0" lang="en-US" sz="4400" spc="-1" strike="noStrike">
+              <a:latin typeface="Arial"/>
+            </a:endParaRPr>
+          </a:p>
+        </p:txBody>
+      </p:sp>
+      <p:sp>
+        <p:nvSpPr>
+          <p:cNvPr id="92" name="PlaceHolder 2"/>
           <p:cNvSpPr>
             <a:spLocks noGrp="1"/>
           </p:cNvSpPr>
@@ -2878,17 +2707,14 @@
           </a:bodyPr>
           <a:p>
             <a:endParaRPr b="0" lang="en-US" sz="3200" spc="-1" strike="noStrike">
-              <a:solidFill>
-                <a:srgbClr val="000000"/>
-              </a:solidFill>
-              <a:latin typeface="Calibri"/>
-            </a:endParaRPr>
-          </a:p>
-        </p:txBody>
-      </p:sp>
-      <p:sp>
-        <p:nvSpPr>
-          <p:cNvPr id="102" name="PlaceHolder 3"/>
+              <a:latin typeface="Arial"/>
+            </a:endParaRPr>
+          </a:p>
+        </p:txBody>
+      </p:sp>
+      <p:sp>
+        <p:nvSpPr>
+          <p:cNvPr id="93" name="PlaceHolder 3"/>
           <p:cNvSpPr>
             <a:spLocks noGrp="1"/>
           </p:cNvSpPr>
@@ -2911,17 +2737,14 @@
           </a:bodyPr>
           <a:p>
             <a:endParaRPr b="0" lang="en-US" sz="3200" spc="-1" strike="noStrike">
-              <a:solidFill>
-                <a:srgbClr val="000000"/>
-              </a:solidFill>
-              <a:latin typeface="Calibri"/>
-            </a:endParaRPr>
-          </a:p>
-        </p:txBody>
-      </p:sp>
-      <p:sp>
-        <p:nvSpPr>
-          <p:cNvPr id="103" name="PlaceHolder 4"/>
+              <a:latin typeface="Arial"/>
+            </a:endParaRPr>
+          </a:p>
+        </p:txBody>
+      </p:sp>
+      <p:sp>
+        <p:nvSpPr>
+          <p:cNvPr id="94" name="PlaceHolder 4"/>
           <p:cNvSpPr>
             <a:spLocks noGrp="1"/>
           </p:cNvSpPr>
@@ -2944,10 +2767,7 @@
           </a:bodyPr>
           <a:p>
             <a:endParaRPr b="0" lang="en-US" sz="3200" spc="-1" strike="noStrike">
-              <a:solidFill>
-                <a:srgbClr val="000000"/>
-              </a:solidFill>
-              <a:latin typeface="Calibri"/>
+              <a:latin typeface="Arial"/>
             </a:endParaRPr>
           </a:p>
         </p:txBody>
@@ -2976,7 +2796,7 @@
       </p:grpSpPr>
       <p:sp>
         <p:nvSpPr>
-          <p:cNvPr id="104" name="PlaceHolder 1"/>
+          <p:cNvPr id="95" name="PlaceHolder 1"/>
           <p:cNvSpPr>
             <a:spLocks noGrp="1"/>
           </p:cNvSpPr>
@@ -2998,18 +2818,16 @@
             <a:noAutofit/>
           </a:bodyPr>
           <a:p>
-            <a:endParaRPr b="0" lang="en-US" sz="1800" spc="-1" strike="noStrike">
-              <a:solidFill>
-                <a:srgbClr val="000000"/>
-              </a:solidFill>
-              <a:latin typeface="Calibri"/>
-            </a:endParaRPr>
-          </a:p>
-        </p:txBody>
-      </p:sp>
-      <p:sp>
-        <p:nvSpPr>
-          <p:cNvPr id="105" name="PlaceHolder 2"/>
+            <a:pPr algn="ctr"/>
+            <a:endParaRPr b="0" lang="en-US" sz="4400" spc="-1" strike="noStrike">
+              <a:latin typeface="Arial"/>
+            </a:endParaRPr>
+          </a:p>
+        </p:txBody>
+      </p:sp>
+      <p:sp>
+        <p:nvSpPr>
+          <p:cNvPr id="96" name="PlaceHolder 2"/>
           <p:cNvSpPr>
             <a:spLocks noGrp="1"/>
           </p:cNvSpPr>
@@ -3032,17 +2850,14 @@
           </a:bodyPr>
           <a:p>
             <a:endParaRPr b="0" lang="en-US" sz="3200" spc="-1" strike="noStrike">
-              <a:solidFill>
-                <a:srgbClr val="000000"/>
-              </a:solidFill>
-              <a:latin typeface="Calibri"/>
-            </a:endParaRPr>
-          </a:p>
-        </p:txBody>
-      </p:sp>
-      <p:sp>
-        <p:nvSpPr>
-          <p:cNvPr id="106" name="PlaceHolder 3"/>
+              <a:latin typeface="Arial"/>
+            </a:endParaRPr>
+          </a:p>
+        </p:txBody>
+      </p:sp>
+      <p:sp>
+        <p:nvSpPr>
+          <p:cNvPr id="97" name="PlaceHolder 3"/>
           <p:cNvSpPr>
             <a:spLocks noGrp="1"/>
           </p:cNvSpPr>
@@ -3065,17 +2880,14 @@
           </a:bodyPr>
           <a:p>
             <a:endParaRPr b="0" lang="en-US" sz="3200" spc="-1" strike="noStrike">
-              <a:solidFill>
-                <a:srgbClr val="000000"/>
-              </a:solidFill>
-              <a:latin typeface="Calibri"/>
-            </a:endParaRPr>
-          </a:p>
-        </p:txBody>
-      </p:sp>
-      <p:sp>
-        <p:nvSpPr>
-          <p:cNvPr id="107" name="PlaceHolder 4"/>
+              <a:latin typeface="Arial"/>
+            </a:endParaRPr>
+          </a:p>
+        </p:txBody>
+      </p:sp>
+      <p:sp>
+        <p:nvSpPr>
+          <p:cNvPr id="98" name="PlaceHolder 4"/>
           <p:cNvSpPr>
             <a:spLocks noGrp="1"/>
           </p:cNvSpPr>
@@ -3098,10 +2910,7 @@
           </a:bodyPr>
           <a:p>
             <a:endParaRPr b="0" lang="en-US" sz="3200" spc="-1" strike="noStrike">
-              <a:solidFill>
-                <a:srgbClr val="000000"/>
-              </a:solidFill>
-              <a:latin typeface="Calibri"/>
+              <a:latin typeface="Arial"/>
             </a:endParaRPr>
           </a:p>
         </p:txBody>
@@ -3130,7 +2939,7 @@
       </p:grpSpPr>
       <p:sp>
         <p:nvSpPr>
-          <p:cNvPr id="108" name="PlaceHolder 1"/>
+          <p:cNvPr id="99" name="PlaceHolder 1"/>
           <p:cNvSpPr>
             <a:spLocks noGrp="1"/>
           </p:cNvSpPr>
@@ -3152,18 +2961,16 @@
             <a:noAutofit/>
           </a:bodyPr>
           <a:p>
-            <a:endParaRPr b="0" lang="en-US" sz="1800" spc="-1" strike="noStrike">
-              <a:solidFill>
-                <a:srgbClr val="000000"/>
-              </a:solidFill>
-              <a:latin typeface="Calibri"/>
-            </a:endParaRPr>
-          </a:p>
-        </p:txBody>
-      </p:sp>
-      <p:sp>
-        <p:nvSpPr>
-          <p:cNvPr id="109" name="PlaceHolder 2"/>
+            <a:pPr algn="ctr"/>
+            <a:endParaRPr b="0" lang="en-US" sz="4400" spc="-1" strike="noStrike">
+              <a:latin typeface="Arial"/>
+            </a:endParaRPr>
+          </a:p>
+        </p:txBody>
+      </p:sp>
+      <p:sp>
+        <p:nvSpPr>
+          <p:cNvPr id="100" name="PlaceHolder 2"/>
           <p:cNvSpPr>
             <a:spLocks noGrp="1"/>
           </p:cNvSpPr>
@@ -3186,17 +2993,14 @@
           </a:bodyPr>
           <a:p>
             <a:endParaRPr b="0" lang="en-US" sz="3200" spc="-1" strike="noStrike">
-              <a:solidFill>
-                <a:srgbClr val="000000"/>
-              </a:solidFill>
-              <a:latin typeface="Calibri"/>
-            </a:endParaRPr>
-          </a:p>
-        </p:txBody>
-      </p:sp>
-      <p:sp>
-        <p:nvSpPr>
-          <p:cNvPr id="110" name="PlaceHolder 3"/>
+              <a:latin typeface="Arial"/>
+            </a:endParaRPr>
+          </a:p>
+        </p:txBody>
+      </p:sp>
+      <p:sp>
+        <p:nvSpPr>
+          <p:cNvPr id="101" name="PlaceHolder 3"/>
           <p:cNvSpPr>
             <a:spLocks noGrp="1"/>
           </p:cNvSpPr>
@@ -3219,10 +3023,7 @@
           </a:bodyPr>
           <a:p>
             <a:endParaRPr b="0" lang="en-US" sz="3200" spc="-1" strike="noStrike">
-              <a:solidFill>
-                <a:srgbClr val="000000"/>
-              </a:solidFill>
-              <a:latin typeface="Calibri"/>
+              <a:latin typeface="Arial"/>
             </a:endParaRPr>
           </a:p>
         </p:txBody>
@@ -3251,7 +3052,7 @@
       </p:grpSpPr>
       <p:sp>
         <p:nvSpPr>
-          <p:cNvPr id="111" name="PlaceHolder 1"/>
+          <p:cNvPr id="102" name="PlaceHolder 1"/>
           <p:cNvSpPr>
             <a:spLocks noGrp="1"/>
           </p:cNvSpPr>
@@ -3273,18 +3074,16 @@
             <a:noAutofit/>
           </a:bodyPr>
           <a:p>
-            <a:endParaRPr b="0" lang="en-US" sz="1800" spc="-1" strike="noStrike">
-              <a:solidFill>
-                <a:srgbClr val="000000"/>
-              </a:solidFill>
-              <a:latin typeface="Calibri"/>
-            </a:endParaRPr>
-          </a:p>
-        </p:txBody>
-      </p:sp>
-      <p:sp>
-        <p:nvSpPr>
-          <p:cNvPr id="112" name="PlaceHolder 2"/>
+            <a:pPr algn="ctr"/>
+            <a:endParaRPr b="0" lang="en-US" sz="4400" spc="-1" strike="noStrike">
+              <a:latin typeface="Arial"/>
+            </a:endParaRPr>
+          </a:p>
+        </p:txBody>
+      </p:sp>
+      <p:sp>
+        <p:nvSpPr>
+          <p:cNvPr id="103" name="PlaceHolder 2"/>
           <p:cNvSpPr>
             <a:spLocks noGrp="1"/>
           </p:cNvSpPr>
@@ -3307,17 +3106,14 @@
           </a:bodyPr>
           <a:p>
             <a:endParaRPr b="0" lang="en-US" sz="3200" spc="-1" strike="noStrike">
-              <a:solidFill>
-                <a:srgbClr val="000000"/>
-              </a:solidFill>
-              <a:latin typeface="Calibri"/>
-            </a:endParaRPr>
-          </a:p>
-        </p:txBody>
-      </p:sp>
-      <p:sp>
-        <p:nvSpPr>
-          <p:cNvPr id="113" name="PlaceHolder 3"/>
+              <a:latin typeface="Arial"/>
+            </a:endParaRPr>
+          </a:p>
+        </p:txBody>
+      </p:sp>
+      <p:sp>
+        <p:nvSpPr>
+          <p:cNvPr id="104" name="PlaceHolder 3"/>
           <p:cNvSpPr>
             <a:spLocks noGrp="1"/>
           </p:cNvSpPr>
@@ -3340,17 +3136,14 @@
           </a:bodyPr>
           <a:p>
             <a:endParaRPr b="0" lang="en-US" sz="3200" spc="-1" strike="noStrike">
-              <a:solidFill>
-                <a:srgbClr val="000000"/>
-              </a:solidFill>
-              <a:latin typeface="Calibri"/>
-            </a:endParaRPr>
-          </a:p>
-        </p:txBody>
-      </p:sp>
-      <p:sp>
-        <p:nvSpPr>
-          <p:cNvPr id="114" name="PlaceHolder 4"/>
+              <a:latin typeface="Arial"/>
+            </a:endParaRPr>
+          </a:p>
+        </p:txBody>
+      </p:sp>
+      <p:sp>
+        <p:nvSpPr>
+          <p:cNvPr id="105" name="PlaceHolder 4"/>
           <p:cNvSpPr>
             <a:spLocks noGrp="1"/>
           </p:cNvSpPr>
@@ -3373,17 +3166,14 @@
           </a:bodyPr>
           <a:p>
             <a:endParaRPr b="0" lang="en-US" sz="3200" spc="-1" strike="noStrike">
-              <a:solidFill>
-                <a:srgbClr val="000000"/>
-              </a:solidFill>
-              <a:latin typeface="Calibri"/>
-            </a:endParaRPr>
-          </a:p>
-        </p:txBody>
-      </p:sp>
-      <p:sp>
-        <p:nvSpPr>
-          <p:cNvPr id="115" name="PlaceHolder 5"/>
+              <a:latin typeface="Arial"/>
+            </a:endParaRPr>
+          </a:p>
+        </p:txBody>
+      </p:sp>
+      <p:sp>
+        <p:nvSpPr>
+          <p:cNvPr id="106" name="PlaceHolder 5"/>
           <p:cNvSpPr>
             <a:spLocks noGrp="1"/>
           </p:cNvSpPr>
@@ -3406,10 +3196,7 @@
           </a:bodyPr>
           <a:p>
             <a:endParaRPr b="0" lang="en-US" sz="3200" spc="-1" strike="noStrike">
-              <a:solidFill>
-                <a:srgbClr val="000000"/>
-              </a:solidFill>
-              <a:latin typeface="Calibri"/>
+              <a:latin typeface="Arial"/>
             </a:endParaRPr>
           </a:p>
         </p:txBody>
@@ -3438,7 +3225,7 @@
       </p:grpSpPr>
       <p:sp>
         <p:nvSpPr>
-          <p:cNvPr id="116" name="PlaceHolder 1"/>
+          <p:cNvPr id="107" name="PlaceHolder 1"/>
           <p:cNvSpPr>
             <a:spLocks noGrp="1"/>
           </p:cNvSpPr>
@@ -3460,18 +3247,16 @@
             <a:noAutofit/>
           </a:bodyPr>
           <a:p>
-            <a:endParaRPr b="0" lang="en-US" sz="1800" spc="-1" strike="noStrike">
-              <a:solidFill>
-                <a:srgbClr val="000000"/>
-              </a:solidFill>
-              <a:latin typeface="Calibri"/>
-            </a:endParaRPr>
-          </a:p>
-        </p:txBody>
-      </p:sp>
-      <p:sp>
-        <p:nvSpPr>
-          <p:cNvPr id="117" name="PlaceHolder 2"/>
+            <a:pPr algn="ctr"/>
+            <a:endParaRPr b="0" lang="en-US" sz="4400" spc="-1" strike="noStrike">
+              <a:latin typeface="Arial"/>
+            </a:endParaRPr>
+          </a:p>
+        </p:txBody>
+      </p:sp>
+      <p:sp>
+        <p:nvSpPr>
+          <p:cNvPr id="108" name="PlaceHolder 2"/>
           <p:cNvSpPr>
             <a:spLocks noGrp="1"/>
           </p:cNvSpPr>
@@ -3494,17 +3279,14 @@
           </a:bodyPr>
           <a:p>
             <a:endParaRPr b="0" lang="en-US" sz="3200" spc="-1" strike="noStrike">
-              <a:solidFill>
-                <a:srgbClr val="000000"/>
-              </a:solidFill>
-              <a:latin typeface="Calibri"/>
-            </a:endParaRPr>
-          </a:p>
-        </p:txBody>
-      </p:sp>
-      <p:sp>
-        <p:nvSpPr>
-          <p:cNvPr id="118" name="PlaceHolder 3"/>
+              <a:latin typeface="Arial"/>
+            </a:endParaRPr>
+          </a:p>
+        </p:txBody>
+      </p:sp>
+      <p:sp>
+        <p:nvSpPr>
+          <p:cNvPr id="109" name="PlaceHolder 3"/>
           <p:cNvSpPr>
             <a:spLocks noGrp="1"/>
           </p:cNvSpPr>
@@ -3527,17 +3309,14 @@
           </a:bodyPr>
           <a:p>
             <a:endParaRPr b="0" lang="en-US" sz="3200" spc="-1" strike="noStrike">
-              <a:solidFill>
-                <a:srgbClr val="000000"/>
-              </a:solidFill>
-              <a:latin typeface="Calibri"/>
-            </a:endParaRPr>
-          </a:p>
-        </p:txBody>
-      </p:sp>
-      <p:sp>
-        <p:nvSpPr>
-          <p:cNvPr id="119" name="PlaceHolder 4"/>
+              <a:latin typeface="Arial"/>
+            </a:endParaRPr>
+          </a:p>
+        </p:txBody>
+      </p:sp>
+      <p:sp>
+        <p:nvSpPr>
+          <p:cNvPr id="110" name="PlaceHolder 4"/>
           <p:cNvSpPr>
             <a:spLocks noGrp="1"/>
           </p:cNvSpPr>
@@ -3560,17 +3339,14 @@
           </a:bodyPr>
           <a:p>
             <a:endParaRPr b="0" lang="en-US" sz="3200" spc="-1" strike="noStrike">
-              <a:solidFill>
-                <a:srgbClr val="000000"/>
-              </a:solidFill>
-              <a:latin typeface="Calibri"/>
-            </a:endParaRPr>
-          </a:p>
-        </p:txBody>
-      </p:sp>
-      <p:sp>
-        <p:nvSpPr>
-          <p:cNvPr id="120" name="PlaceHolder 5"/>
+              <a:latin typeface="Arial"/>
+            </a:endParaRPr>
+          </a:p>
+        </p:txBody>
+      </p:sp>
+      <p:sp>
+        <p:nvSpPr>
+          <p:cNvPr id="111" name="PlaceHolder 5"/>
           <p:cNvSpPr>
             <a:spLocks noGrp="1"/>
           </p:cNvSpPr>
@@ -3593,17 +3369,14 @@
           </a:bodyPr>
           <a:p>
             <a:endParaRPr b="0" lang="en-US" sz="3200" spc="-1" strike="noStrike">
-              <a:solidFill>
-                <a:srgbClr val="000000"/>
-              </a:solidFill>
-              <a:latin typeface="Calibri"/>
-            </a:endParaRPr>
-          </a:p>
-        </p:txBody>
-      </p:sp>
-      <p:sp>
-        <p:nvSpPr>
-          <p:cNvPr id="121" name="PlaceHolder 6"/>
+              <a:latin typeface="Arial"/>
+            </a:endParaRPr>
+          </a:p>
+        </p:txBody>
+      </p:sp>
+      <p:sp>
+        <p:nvSpPr>
+          <p:cNvPr id="112" name="PlaceHolder 6"/>
           <p:cNvSpPr>
             <a:spLocks noGrp="1"/>
           </p:cNvSpPr>
@@ -3626,17 +3399,14 @@
           </a:bodyPr>
           <a:p>
             <a:endParaRPr b="0" lang="en-US" sz="3200" spc="-1" strike="noStrike">
-              <a:solidFill>
-                <a:srgbClr val="000000"/>
-              </a:solidFill>
-              <a:latin typeface="Calibri"/>
-            </a:endParaRPr>
-          </a:p>
-        </p:txBody>
-      </p:sp>
-      <p:sp>
-        <p:nvSpPr>
-          <p:cNvPr id="122" name="PlaceHolder 7"/>
+              <a:latin typeface="Arial"/>
+            </a:endParaRPr>
+          </a:p>
+        </p:txBody>
+      </p:sp>
+      <p:sp>
+        <p:nvSpPr>
+          <p:cNvPr id="113" name="PlaceHolder 7"/>
           <p:cNvSpPr>
             <a:spLocks noGrp="1"/>
           </p:cNvSpPr>
@@ -3659,10 +3429,7 @@
           </a:bodyPr>
           <a:p>
             <a:endParaRPr b="0" lang="en-US" sz="3200" spc="-1" strike="noStrike">
-              <a:solidFill>
-                <a:srgbClr val="000000"/>
-              </a:solidFill>
-              <a:latin typeface="Calibri"/>
+              <a:latin typeface="Arial"/>
             </a:endParaRPr>
           </a:p>
         </p:txBody>
@@ -3691,7 +3458,7 @@
       </p:grpSpPr>
       <p:sp>
         <p:nvSpPr>
-          <p:cNvPr id="9" name="PlaceHolder 1"/>
+          <p:cNvPr id="6" name="PlaceHolder 1"/>
           <p:cNvSpPr>
             <a:spLocks noGrp="1"/>
           </p:cNvSpPr>
@@ -3713,18 +3480,16 @@
             <a:noAutofit/>
           </a:bodyPr>
           <a:p>
-            <a:endParaRPr b="0" lang="en-US" sz="1800" spc="-1" strike="noStrike">
-              <a:solidFill>
-                <a:srgbClr val="000000"/>
-              </a:solidFill>
-              <a:latin typeface="Calibri"/>
-            </a:endParaRPr>
-          </a:p>
-        </p:txBody>
-      </p:sp>
-      <p:sp>
-        <p:nvSpPr>
-          <p:cNvPr id="10" name="PlaceHolder 2"/>
+            <a:pPr algn="ctr"/>
+            <a:endParaRPr b="0" lang="en-US" sz="4400" spc="-1" strike="noStrike">
+              <a:latin typeface="Arial"/>
+            </a:endParaRPr>
+          </a:p>
+        </p:txBody>
+      </p:sp>
+      <p:sp>
+        <p:nvSpPr>
+          <p:cNvPr id="7" name="PlaceHolder 2"/>
           <p:cNvSpPr>
             <a:spLocks noGrp="1"/>
           </p:cNvSpPr>
@@ -3747,17 +3512,14 @@
           </a:bodyPr>
           <a:p>
             <a:endParaRPr b="0" lang="en-US" sz="3200" spc="-1" strike="noStrike">
-              <a:solidFill>
-                <a:srgbClr val="000000"/>
-              </a:solidFill>
-              <a:latin typeface="Calibri"/>
-            </a:endParaRPr>
-          </a:p>
-        </p:txBody>
-      </p:sp>
-      <p:sp>
-        <p:nvSpPr>
-          <p:cNvPr id="11" name="PlaceHolder 3"/>
+              <a:latin typeface="Arial"/>
+            </a:endParaRPr>
+          </a:p>
+        </p:txBody>
+      </p:sp>
+      <p:sp>
+        <p:nvSpPr>
+          <p:cNvPr id="8" name="PlaceHolder 3"/>
           <p:cNvSpPr>
             <a:spLocks noGrp="1"/>
           </p:cNvSpPr>
@@ -3780,10 +3542,7 @@
           </a:bodyPr>
           <a:p>
             <a:endParaRPr b="0" lang="en-US" sz="3200" spc="-1" strike="noStrike">
-              <a:solidFill>
-                <a:srgbClr val="000000"/>
-              </a:solidFill>
-              <a:latin typeface="Calibri"/>
+              <a:latin typeface="Arial"/>
             </a:endParaRPr>
           </a:p>
         </p:txBody>
@@ -3812,7 +3571,7 @@
       </p:grpSpPr>
       <p:sp>
         <p:nvSpPr>
-          <p:cNvPr id="12" name="PlaceHolder 1"/>
+          <p:cNvPr id="9" name="PlaceHolder 1"/>
           <p:cNvSpPr>
             <a:spLocks noGrp="1"/>
           </p:cNvSpPr>
@@ -3834,11 +3593,9 @@
             <a:noAutofit/>
           </a:bodyPr>
           <a:p>
-            <a:endParaRPr b="0" lang="en-US" sz="1800" spc="-1" strike="noStrike">
-              <a:solidFill>
-                <a:srgbClr val="000000"/>
-              </a:solidFill>
-              <a:latin typeface="Calibri"/>
+            <a:pPr algn="ctr"/>
+            <a:endParaRPr b="0" lang="en-US" sz="4400" spc="-1" strike="noStrike">
+              <a:latin typeface="Arial"/>
             </a:endParaRPr>
           </a:p>
         </p:txBody>
@@ -3867,7 +3624,7 @@
       </p:grpSpPr>
       <p:sp>
         <p:nvSpPr>
-          <p:cNvPr id="13" name="PlaceHolder 1"/>
+          <p:cNvPr id="10" name="PlaceHolder 1"/>
           <p:cNvSpPr>
             <a:spLocks noGrp="1"/>
           </p:cNvSpPr>
@@ -3920,7 +3677,7 @@
       </p:grpSpPr>
       <p:sp>
         <p:nvSpPr>
-          <p:cNvPr id="14" name="PlaceHolder 1"/>
+          <p:cNvPr id="11" name="PlaceHolder 1"/>
           <p:cNvSpPr>
             <a:spLocks noGrp="1"/>
           </p:cNvSpPr>
@@ -3942,18 +3699,16 @@
             <a:noAutofit/>
           </a:bodyPr>
           <a:p>
-            <a:endParaRPr b="0" lang="en-US" sz="1800" spc="-1" strike="noStrike">
-              <a:solidFill>
-                <a:srgbClr val="000000"/>
-              </a:solidFill>
-              <a:latin typeface="Calibri"/>
-            </a:endParaRPr>
-          </a:p>
-        </p:txBody>
-      </p:sp>
-      <p:sp>
-        <p:nvSpPr>
-          <p:cNvPr id="15" name="PlaceHolder 2"/>
+            <a:pPr algn="ctr"/>
+            <a:endParaRPr b="0" lang="en-US" sz="4400" spc="-1" strike="noStrike">
+              <a:latin typeface="Arial"/>
+            </a:endParaRPr>
+          </a:p>
+        </p:txBody>
+      </p:sp>
+      <p:sp>
+        <p:nvSpPr>
+          <p:cNvPr id="12" name="PlaceHolder 2"/>
           <p:cNvSpPr>
             <a:spLocks noGrp="1"/>
           </p:cNvSpPr>
@@ -3976,17 +3731,14 @@
           </a:bodyPr>
           <a:p>
             <a:endParaRPr b="0" lang="en-US" sz="3200" spc="-1" strike="noStrike">
-              <a:solidFill>
-                <a:srgbClr val="000000"/>
-              </a:solidFill>
-              <a:latin typeface="Calibri"/>
-            </a:endParaRPr>
-          </a:p>
-        </p:txBody>
-      </p:sp>
-      <p:sp>
-        <p:nvSpPr>
-          <p:cNvPr id="16" name="PlaceHolder 3"/>
+              <a:latin typeface="Arial"/>
+            </a:endParaRPr>
+          </a:p>
+        </p:txBody>
+      </p:sp>
+      <p:sp>
+        <p:nvSpPr>
+          <p:cNvPr id="13" name="PlaceHolder 3"/>
           <p:cNvSpPr>
             <a:spLocks noGrp="1"/>
           </p:cNvSpPr>
@@ -4009,17 +3761,14 @@
           </a:bodyPr>
           <a:p>
             <a:endParaRPr b="0" lang="en-US" sz="3200" spc="-1" strike="noStrike">
-              <a:solidFill>
-                <a:srgbClr val="000000"/>
-              </a:solidFill>
-              <a:latin typeface="Calibri"/>
-            </a:endParaRPr>
-          </a:p>
-        </p:txBody>
-      </p:sp>
-      <p:sp>
-        <p:nvSpPr>
-          <p:cNvPr id="17" name="PlaceHolder 4"/>
+              <a:latin typeface="Arial"/>
+            </a:endParaRPr>
+          </a:p>
+        </p:txBody>
+      </p:sp>
+      <p:sp>
+        <p:nvSpPr>
+          <p:cNvPr id="14" name="PlaceHolder 4"/>
           <p:cNvSpPr>
             <a:spLocks noGrp="1"/>
           </p:cNvSpPr>
@@ -4042,10 +3791,7 @@
           </a:bodyPr>
           <a:p>
             <a:endParaRPr b="0" lang="en-US" sz="3200" spc="-1" strike="noStrike">
-              <a:solidFill>
-                <a:srgbClr val="000000"/>
-              </a:solidFill>
-              <a:latin typeface="Calibri"/>
+              <a:latin typeface="Arial"/>
             </a:endParaRPr>
           </a:p>
         </p:txBody>
@@ -4074,7 +3820,7 @@
       </p:grpSpPr>
       <p:sp>
         <p:nvSpPr>
-          <p:cNvPr id="18" name="PlaceHolder 1"/>
+          <p:cNvPr id="15" name="PlaceHolder 1"/>
           <p:cNvSpPr>
             <a:spLocks noGrp="1"/>
           </p:cNvSpPr>
@@ -4096,18 +3842,16 @@
             <a:noAutofit/>
           </a:bodyPr>
           <a:p>
-            <a:endParaRPr b="0" lang="en-US" sz="1800" spc="-1" strike="noStrike">
-              <a:solidFill>
-                <a:srgbClr val="000000"/>
-              </a:solidFill>
-              <a:latin typeface="Calibri"/>
-            </a:endParaRPr>
-          </a:p>
-        </p:txBody>
-      </p:sp>
-      <p:sp>
-        <p:nvSpPr>
-          <p:cNvPr id="19" name="PlaceHolder 2"/>
+            <a:pPr algn="ctr"/>
+            <a:endParaRPr b="0" lang="en-US" sz="4400" spc="-1" strike="noStrike">
+              <a:latin typeface="Arial"/>
+            </a:endParaRPr>
+          </a:p>
+        </p:txBody>
+      </p:sp>
+      <p:sp>
+        <p:nvSpPr>
+          <p:cNvPr id="16" name="PlaceHolder 2"/>
           <p:cNvSpPr>
             <a:spLocks noGrp="1"/>
           </p:cNvSpPr>
@@ -4130,17 +3874,14 @@
           </a:bodyPr>
           <a:p>
             <a:endParaRPr b="0" lang="en-US" sz="3200" spc="-1" strike="noStrike">
-              <a:solidFill>
-                <a:srgbClr val="000000"/>
-              </a:solidFill>
-              <a:latin typeface="Calibri"/>
-            </a:endParaRPr>
-          </a:p>
-        </p:txBody>
-      </p:sp>
-      <p:sp>
-        <p:nvSpPr>
-          <p:cNvPr id="20" name="PlaceHolder 3"/>
+              <a:latin typeface="Arial"/>
+            </a:endParaRPr>
+          </a:p>
+        </p:txBody>
+      </p:sp>
+      <p:sp>
+        <p:nvSpPr>
+          <p:cNvPr id="17" name="PlaceHolder 3"/>
           <p:cNvSpPr>
             <a:spLocks noGrp="1"/>
           </p:cNvSpPr>
@@ -4163,17 +3904,14 @@
           </a:bodyPr>
           <a:p>
             <a:endParaRPr b="0" lang="en-US" sz="3200" spc="-1" strike="noStrike">
-              <a:solidFill>
-                <a:srgbClr val="000000"/>
-              </a:solidFill>
-              <a:latin typeface="Calibri"/>
-            </a:endParaRPr>
-          </a:p>
-        </p:txBody>
-      </p:sp>
-      <p:sp>
-        <p:nvSpPr>
-          <p:cNvPr id="21" name="PlaceHolder 4"/>
+              <a:latin typeface="Arial"/>
+            </a:endParaRPr>
+          </a:p>
+        </p:txBody>
+      </p:sp>
+      <p:sp>
+        <p:nvSpPr>
+          <p:cNvPr id="18" name="PlaceHolder 4"/>
           <p:cNvSpPr>
             <a:spLocks noGrp="1"/>
           </p:cNvSpPr>
@@ -4196,10 +3934,7 @@
           </a:bodyPr>
           <a:p>
             <a:endParaRPr b="0" lang="en-US" sz="3200" spc="-1" strike="noStrike">
-              <a:solidFill>
-                <a:srgbClr val="000000"/>
-              </a:solidFill>
-              <a:latin typeface="Calibri"/>
+              <a:latin typeface="Arial"/>
             </a:endParaRPr>
           </a:p>
         </p:txBody>
@@ -4228,7 +3963,7 @@
       </p:grpSpPr>
       <p:sp>
         <p:nvSpPr>
-          <p:cNvPr id="22" name="PlaceHolder 1"/>
+          <p:cNvPr id="19" name="PlaceHolder 1"/>
           <p:cNvSpPr>
             <a:spLocks noGrp="1"/>
           </p:cNvSpPr>
@@ -4250,18 +3985,16 @@
             <a:noAutofit/>
           </a:bodyPr>
           <a:p>
-            <a:endParaRPr b="0" lang="en-US" sz="1800" spc="-1" strike="noStrike">
-              <a:solidFill>
-                <a:srgbClr val="000000"/>
-              </a:solidFill>
-              <a:latin typeface="Calibri"/>
-            </a:endParaRPr>
-          </a:p>
-        </p:txBody>
-      </p:sp>
-      <p:sp>
-        <p:nvSpPr>
-          <p:cNvPr id="23" name="PlaceHolder 2"/>
+            <a:pPr algn="ctr"/>
+            <a:endParaRPr b="0" lang="en-US" sz="4400" spc="-1" strike="noStrike">
+              <a:latin typeface="Arial"/>
+            </a:endParaRPr>
+          </a:p>
+        </p:txBody>
+      </p:sp>
+      <p:sp>
+        <p:nvSpPr>
+          <p:cNvPr id="20" name="PlaceHolder 2"/>
           <p:cNvSpPr>
             <a:spLocks noGrp="1"/>
           </p:cNvSpPr>
@@ -4284,17 +4017,14 @@
           </a:bodyPr>
           <a:p>
             <a:endParaRPr b="0" lang="en-US" sz="3200" spc="-1" strike="noStrike">
-              <a:solidFill>
-                <a:srgbClr val="000000"/>
-              </a:solidFill>
-              <a:latin typeface="Calibri"/>
-            </a:endParaRPr>
-          </a:p>
-        </p:txBody>
-      </p:sp>
-      <p:sp>
-        <p:nvSpPr>
-          <p:cNvPr id="24" name="PlaceHolder 3"/>
+              <a:latin typeface="Arial"/>
+            </a:endParaRPr>
+          </a:p>
+        </p:txBody>
+      </p:sp>
+      <p:sp>
+        <p:nvSpPr>
+          <p:cNvPr id="21" name="PlaceHolder 3"/>
           <p:cNvSpPr>
             <a:spLocks noGrp="1"/>
           </p:cNvSpPr>
@@ -4317,17 +4047,14 @@
           </a:bodyPr>
           <a:p>
             <a:endParaRPr b="0" lang="en-US" sz="3200" spc="-1" strike="noStrike">
-              <a:solidFill>
-                <a:srgbClr val="000000"/>
-              </a:solidFill>
-              <a:latin typeface="Calibri"/>
-            </a:endParaRPr>
-          </a:p>
-        </p:txBody>
-      </p:sp>
-      <p:sp>
-        <p:nvSpPr>
-          <p:cNvPr id="25" name="PlaceHolder 4"/>
+              <a:latin typeface="Arial"/>
+            </a:endParaRPr>
+          </a:p>
+        </p:txBody>
+      </p:sp>
+      <p:sp>
+        <p:nvSpPr>
+          <p:cNvPr id="22" name="PlaceHolder 4"/>
           <p:cNvSpPr>
             <a:spLocks noGrp="1"/>
           </p:cNvSpPr>
@@ -4350,10 +4077,7 @@
           </a:bodyPr>
           <a:p>
             <a:endParaRPr b="0" lang="en-US" sz="3200" spc="-1" strike="noStrike">
-              <a:solidFill>
-                <a:srgbClr val="000000"/>
-              </a:solidFill>
-              <a:latin typeface="Calibri"/>
+              <a:latin typeface="Arial"/>
             </a:endParaRPr>
           </a:p>
         </p:txBody>
@@ -4399,46 +4123,27 @@
         </p:nvSpPr>
         <p:spPr>
           <a:xfrm>
-            <a:off x="685800" y="2130480"/>
-            <a:ext cx="7772040" cy="1469520"/>
-          </a:xfrm>
-          <a:prstGeom prst="rect">
-            <a:avLst/>
-          </a:prstGeom>
-        </p:spPr>
-        <p:txBody>
-          <a:bodyPr anchor="ctr">
+            <a:off x="457200" y="273600"/>
+            <a:ext cx="8228880" cy="1144440"/>
+          </a:xfrm>
+          <a:prstGeom prst="rect">
+            <a:avLst/>
+          </a:prstGeom>
+        </p:spPr>
+        <p:txBody>
+          <a:bodyPr lIns="0" rIns="0" tIns="0" bIns="0" anchor="ctr">
             <a:noAutofit/>
           </a:bodyPr>
           <a:p>
-            <a:pPr algn="ctr">
-              <a:lnSpc>
-                <a:spcPct val="100000"/>
-              </a:lnSpc>
-            </a:pPr>
+            <a:pPr algn="ctr"/>
             <a:r>
-              <a:rPr b="0" lang="en-US" sz="4400" spc="-1" strike="noStrike">
-                <a:solidFill>
-                  <a:srgbClr val="000000"/>
-                </a:solidFill>
-                <a:latin typeface="Calibri"/>
+              <a:rPr b="0" lang="en-US" sz="1800" spc="-1" strike="noStrike">
+                <a:latin typeface="Arial"/>
               </a:rPr>
-              <a:t>Click to edit Master </a:t>
+              <a:t>Click to edit the title text format</a:t>
             </a:r>
-            <a:r>
-              <a:rPr b="0" lang="en-US" sz="4400" spc="-1" strike="noStrike">
-                <a:solidFill>
-                  <a:srgbClr val="000000"/>
-                </a:solidFill>
-                <a:latin typeface="Calibri"/>
-              </a:rPr>
-              <a:t>title style</a:t>
-            </a:r>
-            <a:endParaRPr b="0" lang="en-US" sz="4400" spc="-1" strike="noStrike">
-              <a:solidFill>
-                <a:srgbClr val="000000"/>
-              </a:solidFill>
-              <a:latin typeface="Calibri"/>
+            <a:endParaRPr b="0" lang="en-US" sz="1800" spc="-1" strike="noStrike">
+              <a:latin typeface="Arial"/>
             </a:endParaRPr>
           </a:p>
         </p:txBody>
@@ -4446,124 +4151,6 @@
       <p:sp>
         <p:nvSpPr>
           <p:cNvPr id="1" name="PlaceHolder 2"/>
-          <p:cNvSpPr>
-            <a:spLocks noGrp="1"/>
-          </p:cNvSpPr>
-          <p:nvPr>
-            <p:ph type="dt"/>
-          </p:nvPr>
-        </p:nvSpPr>
-        <p:spPr>
-          <a:xfrm>
-            <a:off x="457200" y="6356520"/>
-            <a:ext cx="2133360" cy="364680"/>
-          </a:xfrm>
-          <a:prstGeom prst="rect">
-            <a:avLst/>
-          </a:prstGeom>
-        </p:spPr>
-        <p:txBody>
-          <a:bodyPr anchor="ctr">
-            <a:noAutofit/>
-          </a:bodyPr>
-          <a:p>
-            <a:pPr>
-              <a:lnSpc>
-                <a:spcPct val="100000"/>
-              </a:lnSpc>
-            </a:pPr>
-            <a:fld id="{AB5FDD40-3725-429D-A79F-7CACBF5ACDCE}" type="datetime">
-              <a:rPr b="0" lang="en-US" sz="1200" spc="-1" strike="noStrike">
-                <a:solidFill>
-                  <a:srgbClr val="8b8b8b"/>
-                </a:solidFill>
-                <a:latin typeface="Calibri"/>
-              </a:rPr>
-              <a:t>9/16/20</a:t>
-            </a:fld>
-            <a:endParaRPr b="0" lang="en-US" sz="1200" spc="-1" strike="noStrike">
-              <a:latin typeface="Times New Roman"/>
-            </a:endParaRPr>
-          </a:p>
-        </p:txBody>
-      </p:sp>
-      <p:sp>
-        <p:nvSpPr>
-          <p:cNvPr id="2" name="PlaceHolder 3"/>
-          <p:cNvSpPr>
-            <a:spLocks noGrp="1"/>
-          </p:cNvSpPr>
-          <p:nvPr>
-            <p:ph type="ftr"/>
-          </p:nvPr>
-        </p:nvSpPr>
-        <p:spPr>
-          <a:xfrm>
-            <a:off x="3124080" y="6356520"/>
-            <a:ext cx="2895120" cy="364680"/>
-          </a:xfrm>
-          <a:prstGeom prst="rect">
-            <a:avLst/>
-          </a:prstGeom>
-        </p:spPr>
-        <p:txBody>
-          <a:bodyPr anchor="ctr">
-            <a:noAutofit/>
-          </a:bodyPr>
-          <a:p>
-            <a:endParaRPr b="0" lang="en-US" sz="2400" spc="-1" strike="noStrike">
-              <a:latin typeface="Times New Roman"/>
-            </a:endParaRPr>
-          </a:p>
-        </p:txBody>
-      </p:sp>
-      <p:sp>
-        <p:nvSpPr>
-          <p:cNvPr id="3" name="PlaceHolder 4"/>
-          <p:cNvSpPr>
-            <a:spLocks noGrp="1"/>
-          </p:cNvSpPr>
-          <p:nvPr>
-            <p:ph type="sldNum"/>
-          </p:nvPr>
-        </p:nvSpPr>
-        <p:spPr>
-          <a:xfrm>
-            <a:off x="6553080" y="6356520"/>
-            <a:ext cx="2133360" cy="364680"/>
-          </a:xfrm>
-          <a:prstGeom prst="rect">
-            <a:avLst/>
-          </a:prstGeom>
-        </p:spPr>
-        <p:txBody>
-          <a:bodyPr anchor="ctr">
-            <a:noAutofit/>
-          </a:bodyPr>
-          <a:p>
-            <a:pPr algn="r">
-              <a:lnSpc>
-                <a:spcPct val="100000"/>
-              </a:lnSpc>
-            </a:pPr>
-            <a:fld id="{D83150A4-8816-4D00-9C0D-4DBAD8561BC7}" type="slidenum">
-              <a:rPr b="0" lang="en-US" sz="1200" spc="-1" strike="noStrike">
-                <a:solidFill>
-                  <a:srgbClr val="8b8b8b"/>
-                </a:solidFill>
-                <a:latin typeface="Calibri"/>
-              </a:rPr>
-              <a:t>2</a:t>
-            </a:fld>
-            <a:endParaRPr b="0" lang="en-US" sz="1200" spc="-1" strike="noStrike">
-              <a:latin typeface="Times New Roman"/>
-            </a:endParaRPr>
-          </a:p>
-        </p:txBody>
-      </p:sp>
-      <p:sp>
-        <p:nvSpPr>
-          <p:cNvPr id="4" name="PlaceHolder 5"/>
           <p:cNvSpPr>
             <a:spLocks noGrp="1"/>
           </p:cNvSpPr>
@@ -4598,18 +4185,12 @@
             </a:pPr>
             <a:r>
               <a:rPr b="0" lang="en-US" sz="3200" spc="-1" strike="noStrike">
-                <a:solidFill>
-                  <a:srgbClr val="000000"/>
-                </a:solidFill>
-                <a:latin typeface="Calibri"/>
+                <a:latin typeface="Arial"/>
               </a:rPr>
               <a:t>Click to edit the outline text format</a:t>
             </a:r>
             <a:endParaRPr b="0" lang="en-US" sz="3200" spc="-1" strike="noStrike">
-              <a:solidFill>
-                <a:srgbClr val="000000"/>
-              </a:solidFill>
-              <a:latin typeface="Calibri"/>
+              <a:latin typeface="Arial"/>
             </a:endParaRPr>
           </a:p>
           <a:p>
@@ -4625,19 +4206,13 @@
               <a:buChar char=""/>
             </a:pPr>
             <a:r>
-              <a:rPr b="0" lang="en-US" sz="2400" spc="-1" strike="noStrike">
-                <a:solidFill>
-                  <a:srgbClr val="000000"/>
-                </a:solidFill>
-                <a:latin typeface="Calibri"/>
+              <a:rPr b="0" lang="en-US" sz="2800" spc="-1" strike="noStrike">
+                <a:latin typeface="Arial"/>
               </a:rPr>
               <a:t>Second Outline Level</a:t>
             </a:r>
-            <a:endParaRPr b="0" lang="en-US" sz="2400" spc="-1" strike="noStrike">
-              <a:solidFill>
-                <a:srgbClr val="000000"/>
-              </a:solidFill>
-              <a:latin typeface="Calibri"/>
+            <a:endParaRPr b="0" lang="en-US" sz="2800" spc="-1" strike="noStrike">
+              <a:latin typeface="Arial"/>
             </a:endParaRPr>
           </a:p>
           <a:p>
@@ -4653,19 +4228,13 @@
               <a:buChar char=""/>
             </a:pPr>
             <a:r>
-              <a:rPr b="0" lang="en-US" sz="2000" spc="-1" strike="noStrike">
-                <a:solidFill>
-                  <a:srgbClr val="000000"/>
-                </a:solidFill>
-                <a:latin typeface="Calibri"/>
+              <a:rPr b="0" lang="en-US" sz="2400" spc="-1" strike="noStrike">
+                <a:latin typeface="Arial"/>
               </a:rPr>
               <a:t>Third Outline Level</a:t>
             </a:r>
-            <a:endParaRPr b="0" lang="en-US" sz="2000" spc="-1" strike="noStrike">
-              <a:solidFill>
-                <a:srgbClr val="000000"/>
-              </a:solidFill>
-              <a:latin typeface="Calibri"/>
+            <a:endParaRPr b="0" lang="en-US" sz="2400" spc="-1" strike="noStrike">
+              <a:latin typeface="Arial"/>
             </a:endParaRPr>
           </a:p>
           <a:p>
@@ -4682,18 +4251,12 @@
             </a:pPr>
             <a:r>
               <a:rPr b="0" lang="en-US" sz="2000" spc="-1" strike="noStrike">
-                <a:solidFill>
-                  <a:srgbClr val="000000"/>
-                </a:solidFill>
-                <a:latin typeface="Calibri"/>
+                <a:latin typeface="Arial"/>
               </a:rPr>
               <a:t>Fourth Outline Level</a:t>
             </a:r>
             <a:endParaRPr b="0" lang="en-US" sz="2000" spc="-1" strike="noStrike">
-              <a:solidFill>
-                <a:srgbClr val="000000"/>
-              </a:solidFill>
-              <a:latin typeface="Calibri"/>
+              <a:latin typeface="Arial"/>
             </a:endParaRPr>
           </a:p>
           <a:p>
@@ -4710,18 +4273,12 @@
             </a:pPr>
             <a:r>
               <a:rPr b="0" lang="en-US" sz="2000" spc="-1" strike="noStrike">
-                <a:solidFill>
-                  <a:srgbClr val="000000"/>
-                </a:solidFill>
-                <a:latin typeface="Calibri"/>
+                <a:latin typeface="Arial"/>
               </a:rPr>
               <a:t>Fifth Outline Level</a:t>
             </a:r>
             <a:endParaRPr b="0" lang="en-US" sz="2000" spc="-1" strike="noStrike">
-              <a:solidFill>
-                <a:srgbClr val="000000"/>
-              </a:solidFill>
-              <a:latin typeface="Calibri"/>
+              <a:latin typeface="Arial"/>
             </a:endParaRPr>
           </a:p>
           <a:p>
@@ -4738,18 +4295,12 @@
             </a:pPr>
             <a:r>
               <a:rPr b="0" lang="en-US" sz="2000" spc="-1" strike="noStrike">
-                <a:solidFill>
-                  <a:srgbClr val="000000"/>
-                </a:solidFill>
-                <a:latin typeface="Calibri"/>
+                <a:latin typeface="Arial"/>
               </a:rPr>
               <a:t>Sixth Outline Level</a:t>
             </a:r>
             <a:endParaRPr b="0" lang="en-US" sz="2000" spc="-1" strike="noStrike">
-              <a:solidFill>
-                <a:srgbClr val="000000"/>
-              </a:solidFill>
-              <a:latin typeface="Calibri"/>
+              <a:latin typeface="Arial"/>
             </a:endParaRPr>
           </a:p>
           <a:p>
@@ -4766,18 +4317,12 @@
             </a:pPr>
             <a:r>
               <a:rPr b="0" lang="en-US" sz="2000" spc="-1" strike="noStrike">
-                <a:solidFill>
-                  <a:srgbClr val="000000"/>
-                </a:solidFill>
-                <a:latin typeface="Calibri"/>
+                <a:latin typeface="Arial"/>
               </a:rPr>
               <a:t>Seventh Outline Level</a:t>
             </a:r>
             <a:endParaRPr b="0" lang="en-US" sz="2000" spc="-1" strike="noStrike">
-              <a:solidFill>
-                <a:srgbClr val="000000"/>
-              </a:solidFill>
-              <a:latin typeface="Calibri"/>
+              <a:latin typeface="Arial"/>
             </a:endParaRPr>
           </a:p>
         </p:txBody>
@@ -4828,7 +4373,7 @@
       </p:grpSpPr>
       <p:sp>
         <p:nvSpPr>
-          <p:cNvPr id="41" name="PlaceHolder 1"/>
+          <p:cNvPr id="38" name="PlaceHolder 1"/>
           <p:cNvSpPr>
             <a:spLocks noGrp="1"/>
           </p:cNvSpPr>
@@ -4838,330 +4383,206 @@
         </p:nvSpPr>
         <p:spPr>
           <a:xfrm>
-            <a:off x="457200" y="274680"/>
-            <a:ext cx="8229240" cy="1142640"/>
-          </a:xfrm>
-          <a:prstGeom prst="rect">
-            <a:avLst/>
-          </a:prstGeom>
-        </p:spPr>
-        <p:txBody>
-          <a:bodyPr anchor="ctr">
+            <a:off x="457200" y="273600"/>
+            <a:ext cx="8229240" cy="1144800"/>
+          </a:xfrm>
+          <a:prstGeom prst="rect">
+            <a:avLst/>
+          </a:prstGeom>
+        </p:spPr>
+        <p:txBody>
+          <a:bodyPr lIns="0" rIns="0" tIns="0" bIns="0" anchor="ctr">
             <a:noAutofit/>
           </a:bodyPr>
           <a:p>
-            <a:pPr algn="ctr">
-              <a:lnSpc>
-                <a:spcPct val="100000"/>
-              </a:lnSpc>
-            </a:pPr>
+            <a:pPr algn="ctr"/>
             <a:r>
               <a:rPr b="0" lang="en-US" sz="4400" spc="-1" strike="noStrike">
-                <a:solidFill>
-                  <a:srgbClr val="000000"/>
-                </a:solidFill>
-                <a:latin typeface="Calibri"/>
+                <a:latin typeface="Arial"/>
               </a:rPr>
-              <a:t>Click to edit Master title style</a:t>
+              <a:t>Click to edit the title text format</a:t>
             </a:r>
             <a:endParaRPr b="0" lang="en-US" sz="4400" spc="-1" strike="noStrike">
-              <a:solidFill>
-                <a:srgbClr val="000000"/>
-              </a:solidFill>
-              <a:latin typeface="Calibri"/>
-            </a:endParaRPr>
-          </a:p>
-        </p:txBody>
-      </p:sp>
-      <p:sp>
-        <p:nvSpPr>
-          <p:cNvPr id="42" name="PlaceHolder 2"/>
-          <p:cNvSpPr>
-            <a:spLocks noGrp="1"/>
-          </p:cNvSpPr>
-          <p:nvPr>
-            <p:ph type="body"/>
-          </p:nvPr>
-        </p:nvSpPr>
-        <p:spPr>
-          <a:xfrm>
-            <a:off x="457200" y="1600200"/>
-            <a:ext cx="8229240" cy="4525560"/>
-          </a:xfrm>
-          <a:prstGeom prst="rect">
-            <a:avLst/>
-          </a:prstGeom>
-        </p:spPr>
-        <p:txBody>
-          <a:bodyPr>
-            <a:noAutofit/>
-          </a:bodyPr>
-          <a:p>
-            <a:pPr marL="343080" indent="-342720">
-              <a:lnSpc>
-                <a:spcPct val="100000"/>
-              </a:lnSpc>
+              <a:latin typeface="Arial"/>
+            </a:endParaRPr>
+          </a:p>
+        </p:txBody>
+      </p:sp>
+      <p:sp>
+        <p:nvSpPr>
+          <p:cNvPr id="39" name="PlaceHolder 2"/>
+          <p:cNvSpPr>
+            <a:spLocks noGrp="1"/>
+          </p:cNvSpPr>
+          <p:nvPr>
+            <p:ph type="body"/>
+          </p:nvPr>
+        </p:nvSpPr>
+        <p:spPr>
+          <a:xfrm>
+            <a:off x="457200" y="1604520"/>
+            <a:ext cx="8229240" cy="3977280"/>
+          </a:xfrm>
+          <a:prstGeom prst="rect">
+            <a:avLst/>
+          </a:prstGeom>
+        </p:spPr>
+        <p:txBody>
+          <a:bodyPr lIns="0" rIns="0" tIns="0" bIns="0">
+            <a:normAutofit/>
+          </a:bodyPr>
+          <a:p>
+            <a:pPr marL="432000" indent="-324000">
               <a:spcBef>
-                <a:spcPts val="641"/>
+                <a:spcPts val="1417"/>
               </a:spcBef>
               <a:buClr>
                 <a:srgbClr val="000000"/>
               </a:buClr>
-              <a:buFont typeface="Arial"/>
-              <a:buChar char="•"/>
+              <a:buSzPct val="45000"/>
+              <a:buFont typeface="Wingdings" charset="2"/>
+              <a:buChar char=""/>
             </a:pPr>
             <a:r>
               <a:rPr b="0" lang="en-US" sz="3200" spc="-1" strike="noStrike">
-                <a:solidFill>
-                  <a:srgbClr val="000000"/>
-                </a:solidFill>
-                <a:latin typeface="Calibri"/>
+                <a:latin typeface="Arial"/>
               </a:rPr>
-              <a:t>Click to edit Master text styles</a:t>
+              <a:t>Click to edit the outline text format</a:t>
             </a:r>
             <a:endParaRPr b="0" lang="en-US" sz="3200" spc="-1" strike="noStrike">
-              <a:solidFill>
-                <a:srgbClr val="000000"/>
-              </a:solidFill>
-              <a:latin typeface="Calibri"/>
-            </a:endParaRPr>
-          </a:p>
-          <a:p>
-            <a:pPr lvl="1" marL="743040" indent="-285480">
-              <a:lnSpc>
-                <a:spcPct val="100000"/>
-              </a:lnSpc>
+              <a:latin typeface="Arial"/>
+            </a:endParaRPr>
+          </a:p>
+          <a:p>
+            <a:pPr lvl="1" marL="864000" indent="-324000">
               <a:spcBef>
-                <a:spcPts val="561"/>
+                <a:spcPts val="1134"/>
               </a:spcBef>
               <a:buClr>
                 <a:srgbClr val="000000"/>
               </a:buClr>
-              <a:buFont typeface="Arial"/>
-              <a:buChar char="–"/>
+              <a:buSzPct val="75000"/>
+              <a:buFont typeface="Symbol" charset="2"/>
+              <a:buChar char=""/>
             </a:pPr>
             <a:r>
               <a:rPr b="0" lang="en-US" sz="2800" spc="-1" strike="noStrike">
-                <a:solidFill>
-                  <a:srgbClr val="000000"/>
-                </a:solidFill>
-                <a:latin typeface="Calibri"/>
+                <a:latin typeface="Arial"/>
               </a:rPr>
-              <a:t>Second level</a:t>
+              <a:t>Second Outline Level</a:t>
             </a:r>
             <a:endParaRPr b="0" lang="en-US" sz="2800" spc="-1" strike="noStrike">
-              <a:solidFill>
-                <a:srgbClr val="000000"/>
-              </a:solidFill>
-              <a:latin typeface="Calibri"/>
-            </a:endParaRPr>
-          </a:p>
-          <a:p>
-            <a:pPr lvl="2" marL="1143000" indent="-228240">
-              <a:lnSpc>
-                <a:spcPct val="100000"/>
-              </a:lnSpc>
+              <a:latin typeface="Arial"/>
+            </a:endParaRPr>
+          </a:p>
+          <a:p>
+            <a:pPr lvl="2" marL="1296000" indent="-288000">
               <a:spcBef>
-                <a:spcPts val="479"/>
+                <a:spcPts val="850"/>
               </a:spcBef>
               <a:buClr>
                 <a:srgbClr val="000000"/>
               </a:buClr>
-              <a:buFont typeface="Arial"/>
-              <a:buChar char="•"/>
+              <a:buSzPct val="45000"/>
+              <a:buFont typeface="Wingdings" charset="2"/>
+              <a:buChar char=""/>
             </a:pPr>
             <a:r>
               <a:rPr b="0" lang="en-US" sz="2400" spc="-1" strike="noStrike">
-                <a:solidFill>
-                  <a:srgbClr val="000000"/>
-                </a:solidFill>
-                <a:latin typeface="Calibri"/>
+                <a:latin typeface="Arial"/>
               </a:rPr>
-              <a:t>Third level</a:t>
+              <a:t>Third Outline Level</a:t>
             </a:r>
             <a:endParaRPr b="0" lang="en-US" sz="2400" spc="-1" strike="noStrike">
-              <a:solidFill>
-                <a:srgbClr val="000000"/>
-              </a:solidFill>
-              <a:latin typeface="Calibri"/>
-            </a:endParaRPr>
-          </a:p>
-          <a:p>
-            <a:pPr lvl="3" marL="1600200" indent="-228240">
-              <a:lnSpc>
-                <a:spcPct val="100000"/>
-              </a:lnSpc>
+              <a:latin typeface="Arial"/>
+            </a:endParaRPr>
+          </a:p>
+          <a:p>
+            <a:pPr lvl="3" marL="1728000" indent="-216000">
               <a:spcBef>
-                <a:spcPts val="400"/>
+                <a:spcPts val="567"/>
               </a:spcBef>
               <a:buClr>
                 <a:srgbClr val="000000"/>
               </a:buClr>
-              <a:buFont typeface="Arial"/>
-              <a:buChar char="–"/>
+              <a:buSzPct val="75000"/>
+              <a:buFont typeface="Symbol" charset="2"/>
+              <a:buChar char=""/>
             </a:pPr>
             <a:r>
               <a:rPr b="0" lang="en-US" sz="2000" spc="-1" strike="noStrike">
-                <a:solidFill>
-                  <a:srgbClr val="000000"/>
-                </a:solidFill>
-                <a:latin typeface="Calibri"/>
+                <a:latin typeface="Arial"/>
               </a:rPr>
-              <a:t>Fourth level</a:t>
+              <a:t>Fourth Outline Level</a:t>
             </a:r>
             <a:endParaRPr b="0" lang="en-US" sz="2000" spc="-1" strike="noStrike">
-              <a:solidFill>
-                <a:srgbClr val="000000"/>
-              </a:solidFill>
-              <a:latin typeface="Calibri"/>
-            </a:endParaRPr>
-          </a:p>
-          <a:p>
-            <a:pPr lvl="4" marL="2057400" indent="-228240">
-              <a:lnSpc>
-                <a:spcPct val="100000"/>
-              </a:lnSpc>
+              <a:latin typeface="Arial"/>
+            </a:endParaRPr>
+          </a:p>
+          <a:p>
+            <a:pPr lvl="4" marL="2160000" indent="-216000">
               <a:spcBef>
-                <a:spcPts val="400"/>
+                <a:spcPts val="283"/>
               </a:spcBef>
               <a:buClr>
                 <a:srgbClr val="000000"/>
               </a:buClr>
-              <a:buFont typeface="Arial"/>
-              <a:buChar char="»"/>
+              <a:buSzPct val="45000"/>
+              <a:buFont typeface="Wingdings" charset="2"/>
+              <a:buChar char=""/>
             </a:pPr>
             <a:r>
               <a:rPr b="0" lang="en-US" sz="2000" spc="-1" strike="noStrike">
-                <a:solidFill>
-                  <a:srgbClr val="000000"/>
-                </a:solidFill>
-                <a:latin typeface="Calibri"/>
+                <a:latin typeface="Arial"/>
               </a:rPr>
-              <a:t>Fifth level</a:t>
+              <a:t>Fifth Outline Level</a:t>
             </a:r>
             <a:endParaRPr b="0" lang="en-US" sz="2000" spc="-1" strike="noStrike">
-              <a:solidFill>
+              <a:latin typeface="Arial"/>
+            </a:endParaRPr>
+          </a:p>
+          <a:p>
+            <a:pPr lvl="5" marL="2592000" indent="-216000">
+              <a:spcBef>
+                <a:spcPts val="283"/>
+              </a:spcBef>
+              <a:buClr>
                 <a:srgbClr val="000000"/>
-              </a:solidFill>
-              <a:latin typeface="Calibri"/>
-            </a:endParaRPr>
-          </a:p>
-        </p:txBody>
-      </p:sp>
-      <p:sp>
-        <p:nvSpPr>
-          <p:cNvPr id="43" name="PlaceHolder 3"/>
-          <p:cNvSpPr>
-            <a:spLocks noGrp="1"/>
-          </p:cNvSpPr>
-          <p:nvPr>
-            <p:ph type="dt"/>
-          </p:nvPr>
-        </p:nvSpPr>
-        <p:spPr>
-          <a:xfrm>
-            <a:off x="457200" y="6356520"/>
-            <a:ext cx="2133360" cy="364680"/>
-          </a:xfrm>
-          <a:prstGeom prst="rect">
-            <a:avLst/>
-          </a:prstGeom>
-        </p:spPr>
-        <p:txBody>
-          <a:bodyPr anchor="ctr">
-            <a:noAutofit/>
-          </a:bodyPr>
-          <a:p>
-            <a:pPr>
-              <a:lnSpc>
-                <a:spcPct val="100000"/>
-              </a:lnSpc>
+              </a:buClr>
+              <a:buSzPct val="45000"/>
+              <a:buFont typeface="Wingdings" charset="2"/>
+              <a:buChar char=""/>
             </a:pPr>
-            <a:fld id="{B151B128-40AF-4D2F-B24B-D0C0A0B7BDB4}" type="datetime">
-              <a:rPr b="0" lang="en-US" sz="1200" spc="-1" strike="noStrike">
-                <a:solidFill>
-                  <a:srgbClr val="8b8b8b"/>
-                </a:solidFill>
-                <a:latin typeface="Calibri"/>
+            <a:r>
+              <a:rPr b="0" lang="en-US" sz="2000" spc="-1" strike="noStrike">
+                <a:latin typeface="Arial"/>
               </a:rPr>
-              <a:t>9/16/20</a:t>
-            </a:fld>
-            <a:endParaRPr b="0" lang="en-US" sz="1200" spc="-1" strike="noStrike">
-              <a:latin typeface="Times New Roman"/>
-            </a:endParaRPr>
-          </a:p>
-        </p:txBody>
-      </p:sp>
-      <p:sp>
-        <p:nvSpPr>
-          <p:cNvPr id="44" name="PlaceHolder 4"/>
-          <p:cNvSpPr>
-            <a:spLocks noGrp="1"/>
-          </p:cNvSpPr>
-          <p:nvPr>
-            <p:ph type="ftr"/>
-          </p:nvPr>
-        </p:nvSpPr>
-        <p:spPr>
-          <a:xfrm>
-            <a:off x="3124080" y="6356520"/>
-            <a:ext cx="2895120" cy="364680"/>
-          </a:xfrm>
-          <a:prstGeom prst="rect">
-            <a:avLst/>
-          </a:prstGeom>
-        </p:spPr>
-        <p:txBody>
-          <a:bodyPr anchor="ctr">
-            <a:noAutofit/>
-          </a:bodyPr>
-          <a:p>
-            <a:endParaRPr b="0" lang="en-US" sz="2400" spc="-1" strike="noStrike">
-              <a:latin typeface="Times New Roman"/>
-            </a:endParaRPr>
-          </a:p>
-        </p:txBody>
-      </p:sp>
-      <p:sp>
-        <p:nvSpPr>
-          <p:cNvPr id="45" name="PlaceHolder 5"/>
-          <p:cNvSpPr>
-            <a:spLocks noGrp="1"/>
-          </p:cNvSpPr>
-          <p:nvPr>
-            <p:ph type="sldNum"/>
-          </p:nvPr>
-        </p:nvSpPr>
-        <p:spPr>
-          <a:xfrm>
-            <a:off x="6553080" y="6356520"/>
-            <a:ext cx="2133360" cy="364680"/>
-          </a:xfrm>
-          <a:prstGeom prst="rect">
-            <a:avLst/>
-          </a:prstGeom>
-        </p:spPr>
-        <p:txBody>
-          <a:bodyPr anchor="ctr">
-            <a:noAutofit/>
-          </a:bodyPr>
-          <a:p>
-            <a:pPr algn="r">
-              <a:lnSpc>
-                <a:spcPct val="100000"/>
-              </a:lnSpc>
+              <a:t>Sixth Outline Level</a:t>
+            </a:r>
+            <a:endParaRPr b="0" lang="en-US" sz="2000" spc="-1" strike="noStrike">
+              <a:latin typeface="Arial"/>
+            </a:endParaRPr>
+          </a:p>
+          <a:p>
+            <a:pPr lvl="6" marL="3024000" indent="-216000">
+              <a:spcBef>
+                <a:spcPts val="283"/>
+              </a:spcBef>
+              <a:buClr>
+                <a:srgbClr val="000000"/>
+              </a:buClr>
+              <a:buSzPct val="45000"/>
+              <a:buFont typeface="Wingdings" charset="2"/>
+              <a:buChar char=""/>
             </a:pPr>
-            <a:fld id="{BA12CD22-9137-40C7-AACF-B60ECE889299}" type="slidenum">
-              <a:rPr b="0" lang="en-US" sz="1200" spc="-1" strike="noStrike">
-                <a:solidFill>
-                  <a:srgbClr val="8b8b8b"/>
-                </a:solidFill>
-                <a:latin typeface="Calibri"/>
+            <a:r>
+              <a:rPr b="0" lang="en-US" sz="2000" spc="-1" strike="noStrike">
+                <a:latin typeface="Arial"/>
               </a:rPr>
-              <a:t>&lt;number&gt;</a:t>
-            </a:fld>
-            <a:endParaRPr b="0" lang="en-US" sz="1200" spc="-1" strike="noStrike">
-              <a:latin typeface="Times New Roman"/>
+              <a:t>Seventh Outline Level</a:t>
+            </a:r>
+            <a:endParaRPr b="0" lang="en-US" sz="2000" spc="-1" strike="noStrike">
+              <a:latin typeface="Arial"/>
             </a:endParaRPr>
           </a:p>
         </p:txBody>
@@ -5212,125 +4633,7 @@
       </p:grpSpPr>
       <p:sp>
         <p:nvSpPr>
-          <p:cNvPr id="82" name="PlaceHolder 1"/>
-          <p:cNvSpPr>
-            <a:spLocks noGrp="1"/>
-          </p:cNvSpPr>
-          <p:nvPr>
-            <p:ph type="dt"/>
-          </p:nvPr>
-        </p:nvSpPr>
-        <p:spPr>
-          <a:xfrm>
-            <a:off x="457200" y="6356520"/>
-            <a:ext cx="2133360" cy="364680"/>
-          </a:xfrm>
-          <a:prstGeom prst="rect">
-            <a:avLst/>
-          </a:prstGeom>
-        </p:spPr>
-        <p:txBody>
-          <a:bodyPr anchor="ctr">
-            <a:noAutofit/>
-          </a:bodyPr>
-          <a:p>
-            <a:pPr>
-              <a:lnSpc>
-                <a:spcPct val="100000"/>
-              </a:lnSpc>
-            </a:pPr>
-            <a:fld id="{F2CEB1A6-0F76-4CBC-BD3D-662E53228A4D}" type="datetime">
-              <a:rPr b="0" lang="en-US" sz="1200" spc="-1" strike="noStrike">
-                <a:solidFill>
-                  <a:srgbClr val="8b8b8b"/>
-                </a:solidFill>
-                <a:latin typeface="Calibri"/>
-              </a:rPr>
-              <a:t>9/16/20</a:t>
-            </a:fld>
-            <a:endParaRPr b="0" lang="en-US" sz="1200" spc="-1" strike="noStrike">
-              <a:latin typeface="Times New Roman"/>
-            </a:endParaRPr>
-          </a:p>
-        </p:txBody>
-      </p:sp>
-      <p:sp>
-        <p:nvSpPr>
-          <p:cNvPr id="83" name="PlaceHolder 2"/>
-          <p:cNvSpPr>
-            <a:spLocks noGrp="1"/>
-          </p:cNvSpPr>
-          <p:nvPr>
-            <p:ph type="ftr"/>
-          </p:nvPr>
-        </p:nvSpPr>
-        <p:spPr>
-          <a:xfrm>
-            <a:off x="3124080" y="6356520"/>
-            <a:ext cx="2895120" cy="364680"/>
-          </a:xfrm>
-          <a:prstGeom prst="rect">
-            <a:avLst/>
-          </a:prstGeom>
-        </p:spPr>
-        <p:txBody>
-          <a:bodyPr anchor="ctr">
-            <a:noAutofit/>
-          </a:bodyPr>
-          <a:p>
-            <a:endParaRPr b="0" lang="en-US" sz="2400" spc="-1" strike="noStrike">
-              <a:latin typeface="Times New Roman"/>
-            </a:endParaRPr>
-          </a:p>
-        </p:txBody>
-      </p:sp>
-      <p:sp>
-        <p:nvSpPr>
-          <p:cNvPr id="84" name="PlaceHolder 3"/>
-          <p:cNvSpPr>
-            <a:spLocks noGrp="1"/>
-          </p:cNvSpPr>
-          <p:nvPr>
-            <p:ph type="sldNum"/>
-          </p:nvPr>
-        </p:nvSpPr>
-        <p:spPr>
-          <a:xfrm>
-            <a:off x="6553080" y="6356520"/>
-            <a:ext cx="2133360" cy="364680"/>
-          </a:xfrm>
-          <a:prstGeom prst="rect">
-            <a:avLst/>
-          </a:prstGeom>
-        </p:spPr>
-        <p:txBody>
-          <a:bodyPr anchor="ctr">
-            <a:noAutofit/>
-          </a:bodyPr>
-          <a:p>
-            <a:pPr algn="r">
-              <a:lnSpc>
-                <a:spcPct val="100000"/>
-              </a:lnSpc>
-            </a:pPr>
-            <a:fld id="{EAF3DB83-CA22-4FAC-A64E-A6DF1FB56D51}" type="slidenum">
-              <a:rPr b="0" lang="en-US" sz="1200" spc="-1" strike="noStrike">
-                <a:solidFill>
-                  <a:srgbClr val="8b8b8b"/>
-                </a:solidFill>
-                <a:latin typeface="Calibri"/>
-              </a:rPr>
-              <a:t>&lt;number&gt;</a:t>
-            </a:fld>
-            <a:endParaRPr b="0" lang="en-US" sz="1200" spc="-1" strike="noStrike">
-              <a:latin typeface="Times New Roman"/>
-            </a:endParaRPr>
-          </a:p>
-        </p:txBody>
-      </p:sp>
-      <p:sp>
-        <p:nvSpPr>
-          <p:cNvPr id="85" name="PlaceHolder 4"/>
+          <p:cNvPr id="76" name="PlaceHolder 1"/>
           <p:cNvSpPr>
             <a:spLocks noGrp="1"/>
           </p:cNvSpPr>
@@ -5352,27 +4655,22 @@
             <a:noAutofit/>
           </a:bodyPr>
           <a:p>
+            <a:pPr algn="ctr"/>
             <a:r>
-              <a:rPr b="0" lang="en-US" sz="1800" spc="-1" strike="noStrike">
-                <a:solidFill>
-                  <a:srgbClr val="000000"/>
-                </a:solidFill>
-                <a:latin typeface="Calibri"/>
+              <a:rPr b="0" lang="en-US" sz="4400" spc="-1" strike="noStrike">
+                <a:latin typeface="Arial"/>
               </a:rPr>
               <a:t>Click to edit the title text format</a:t>
             </a:r>
-            <a:endParaRPr b="0" lang="en-US" sz="1800" spc="-1" strike="noStrike">
-              <a:solidFill>
-                <a:srgbClr val="000000"/>
-              </a:solidFill>
-              <a:latin typeface="Calibri"/>
-            </a:endParaRPr>
-          </a:p>
-        </p:txBody>
-      </p:sp>
-      <p:sp>
-        <p:nvSpPr>
-          <p:cNvPr id="86" name="PlaceHolder 5"/>
+            <a:endParaRPr b="0" lang="en-US" sz="4400" spc="-1" strike="noStrike">
+              <a:latin typeface="Arial"/>
+            </a:endParaRPr>
+          </a:p>
+        </p:txBody>
+      </p:sp>
+      <p:sp>
+        <p:nvSpPr>
+          <p:cNvPr id="77" name="PlaceHolder 2"/>
           <p:cNvSpPr>
             <a:spLocks noGrp="1"/>
           </p:cNvSpPr>
@@ -5407,18 +4705,12 @@
             </a:pPr>
             <a:r>
               <a:rPr b="0" lang="en-US" sz="3200" spc="-1" strike="noStrike">
-                <a:solidFill>
-                  <a:srgbClr val="000000"/>
-                </a:solidFill>
-                <a:latin typeface="Calibri"/>
+                <a:latin typeface="Arial"/>
               </a:rPr>
               <a:t>Click to edit the outline text format</a:t>
             </a:r>
             <a:endParaRPr b="0" lang="en-US" sz="3200" spc="-1" strike="noStrike">
-              <a:solidFill>
-                <a:srgbClr val="000000"/>
-              </a:solidFill>
-              <a:latin typeface="Calibri"/>
+              <a:latin typeface="Arial"/>
             </a:endParaRPr>
           </a:p>
           <a:p>
@@ -5434,19 +4726,13 @@
               <a:buChar char=""/>
             </a:pPr>
             <a:r>
-              <a:rPr b="0" lang="en-US" sz="2400" spc="-1" strike="noStrike">
-                <a:solidFill>
-                  <a:srgbClr val="000000"/>
-                </a:solidFill>
-                <a:latin typeface="Calibri"/>
+              <a:rPr b="0" lang="en-US" sz="2800" spc="-1" strike="noStrike">
+                <a:latin typeface="Arial"/>
               </a:rPr>
               <a:t>Second Outline Level</a:t>
             </a:r>
-            <a:endParaRPr b="0" lang="en-US" sz="2400" spc="-1" strike="noStrike">
-              <a:solidFill>
-                <a:srgbClr val="000000"/>
-              </a:solidFill>
-              <a:latin typeface="Calibri"/>
+            <a:endParaRPr b="0" lang="en-US" sz="2800" spc="-1" strike="noStrike">
+              <a:latin typeface="Arial"/>
             </a:endParaRPr>
           </a:p>
           <a:p>
@@ -5462,19 +4748,13 @@
               <a:buChar char=""/>
             </a:pPr>
             <a:r>
-              <a:rPr b="0" lang="en-US" sz="2000" spc="-1" strike="noStrike">
-                <a:solidFill>
-                  <a:srgbClr val="000000"/>
-                </a:solidFill>
-                <a:latin typeface="Calibri"/>
+              <a:rPr b="0" lang="en-US" sz="2400" spc="-1" strike="noStrike">
+                <a:latin typeface="Arial"/>
               </a:rPr>
               <a:t>Third Outline Level</a:t>
             </a:r>
-            <a:endParaRPr b="0" lang="en-US" sz="2000" spc="-1" strike="noStrike">
-              <a:solidFill>
-                <a:srgbClr val="000000"/>
-              </a:solidFill>
-              <a:latin typeface="Calibri"/>
+            <a:endParaRPr b="0" lang="en-US" sz="2400" spc="-1" strike="noStrike">
+              <a:latin typeface="Arial"/>
             </a:endParaRPr>
           </a:p>
           <a:p>
@@ -5491,18 +4771,12 @@
             </a:pPr>
             <a:r>
               <a:rPr b="0" lang="en-US" sz="2000" spc="-1" strike="noStrike">
-                <a:solidFill>
-                  <a:srgbClr val="000000"/>
-                </a:solidFill>
-                <a:latin typeface="Calibri"/>
+                <a:latin typeface="Arial"/>
               </a:rPr>
               <a:t>Fourth Outline Level</a:t>
             </a:r>
             <a:endParaRPr b="0" lang="en-US" sz="2000" spc="-1" strike="noStrike">
-              <a:solidFill>
-                <a:srgbClr val="000000"/>
-              </a:solidFill>
-              <a:latin typeface="Calibri"/>
+              <a:latin typeface="Arial"/>
             </a:endParaRPr>
           </a:p>
           <a:p>
@@ -5519,18 +4793,12 @@
             </a:pPr>
             <a:r>
               <a:rPr b="0" lang="en-US" sz="2000" spc="-1" strike="noStrike">
-                <a:solidFill>
-                  <a:srgbClr val="000000"/>
-                </a:solidFill>
-                <a:latin typeface="Calibri"/>
+                <a:latin typeface="Arial"/>
               </a:rPr>
               <a:t>Fifth Outline Level</a:t>
             </a:r>
             <a:endParaRPr b="0" lang="en-US" sz="2000" spc="-1" strike="noStrike">
-              <a:solidFill>
-                <a:srgbClr val="000000"/>
-              </a:solidFill>
-              <a:latin typeface="Calibri"/>
+              <a:latin typeface="Arial"/>
             </a:endParaRPr>
           </a:p>
           <a:p>
@@ -5547,18 +4815,12 @@
             </a:pPr>
             <a:r>
               <a:rPr b="0" lang="en-US" sz="2000" spc="-1" strike="noStrike">
-                <a:solidFill>
-                  <a:srgbClr val="000000"/>
-                </a:solidFill>
-                <a:latin typeface="Calibri"/>
+                <a:latin typeface="Arial"/>
               </a:rPr>
               <a:t>Sixth Outline Level</a:t>
             </a:r>
             <a:endParaRPr b="0" lang="en-US" sz="2000" spc="-1" strike="noStrike">
-              <a:solidFill>
-                <a:srgbClr val="000000"/>
-              </a:solidFill>
-              <a:latin typeface="Calibri"/>
+              <a:latin typeface="Arial"/>
             </a:endParaRPr>
           </a:p>
           <a:p>
@@ -5575,18 +4837,12 @@
             </a:pPr>
             <a:r>
               <a:rPr b="0" lang="en-US" sz="2000" spc="-1" strike="noStrike">
-                <a:solidFill>
-                  <a:srgbClr val="000000"/>
-                </a:solidFill>
-                <a:latin typeface="Calibri"/>
+                <a:latin typeface="Arial"/>
               </a:rPr>
               <a:t>Seventh Outline Level</a:t>
             </a:r>
             <a:endParaRPr b="0" lang="en-US" sz="2000" spc="-1" strike="noStrike">
-              <a:solidFill>
-                <a:srgbClr val="000000"/>
-              </a:solidFill>
-              <a:latin typeface="Calibri"/>
+              <a:latin typeface="Arial"/>
             </a:endParaRPr>
           </a:p>
         </p:txBody>
@@ -5630,14 +4886,14 @@
       </p:grpSpPr>
       <p:sp>
         <p:nvSpPr>
-          <p:cNvPr id="123" name="TextShape 1"/>
-          <p:cNvSpPr txBox="1"/>
+          <p:cNvPr id="114" name="CustomShape 1"/>
+          <p:cNvSpPr/>
           <p:nvPr/>
         </p:nvSpPr>
         <p:spPr>
           <a:xfrm>
             <a:off x="685800" y="2130480"/>
-            <a:ext cx="7772040" cy="1469520"/>
+            <a:ext cx="7771680" cy="1469160"/>
           </a:xfrm>
           <a:prstGeom prst="rect">
             <a:avLst/>
@@ -5647,30 +4903,23 @@
             <a:noFill/>
           </a:ln>
         </p:spPr>
-        <p:txBody>
-          <a:bodyPr anchor="ctr">
-            <a:noAutofit/>
-          </a:bodyPr>
-          <a:p>
-            <a:endParaRPr b="0" lang="en-US" sz="1800" spc="-1" strike="noStrike">
-              <a:solidFill>
-                <a:srgbClr val="000000"/>
-              </a:solidFill>
-              <a:latin typeface="Calibri"/>
-            </a:endParaRPr>
-          </a:p>
-        </p:txBody>
-      </p:sp>
-      <p:sp>
-        <p:nvSpPr>
-          <p:cNvPr id="124" name="TextShape 2"/>
-          <p:cNvSpPr txBox="1"/>
+        <p:style>
+          <a:lnRef idx="0"/>
+          <a:fillRef idx="0"/>
+          <a:effectRef idx="0"/>
+          <a:fontRef idx="minor"/>
+        </p:style>
+      </p:sp>
+      <p:sp>
+        <p:nvSpPr>
+          <p:cNvPr id="115" name="CustomShape 2"/>
+          <p:cNvSpPr/>
           <p:nvPr/>
         </p:nvSpPr>
         <p:spPr>
           <a:xfrm>
             <a:off x="1371600" y="3886200"/>
-            <a:ext cx="6400440" cy="1752120"/>
+            <a:ext cx="6400080" cy="1751760"/>
           </a:xfrm>
           <a:prstGeom prst="rect">
             <a:avLst/>
@@ -5680,17 +4929,12 @@
             <a:noFill/>
           </a:ln>
         </p:spPr>
-        <p:txBody>
-          <a:bodyPr>
-            <a:noAutofit/>
-          </a:bodyPr>
-          <a:p>
-            <a:pPr algn="ctr"/>
-            <a:endParaRPr b="0" lang="en-US" sz="3200" spc="-1" strike="noStrike">
-              <a:latin typeface="Arial"/>
-            </a:endParaRPr>
-          </a:p>
-        </p:txBody>
+        <p:style>
+          <a:lnRef idx="0"/>
+          <a:fillRef idx="0"/>
+          <a:effectRef idx="0"/>
+          <a:fontRef idx="minor"/>
+        </p:style>
       </p:sp>
     </p:spTree>
   </p:cSld>
@@ -5724,14 +4968,14 @@
       </p:grpSpPr>
       <p:sp>
         <p:nvSpPr>
-          <p:cNvPr id="125" name="TextShape 1"/>
-          <p:cNvSpPr txBox="1"/>
+          <p:cNvPr id="116" name="CustomShape 1"/>
+          <p:cNvSpPr/>
           <p:nvPr/>
         </p:nvSpPr>
         <p:spPr>
           <a:xfrm>
             <a:off x="380880" y="304920"/>
-            <a:ext cx="8229240" cy="4525560"/>
+            <a:ext cx="8228880" cy="4525200"/>
           </a:xfrm>
           <a:prstGeom prst="rect">
             <a:avLst/>
@@ -5741,8 +4985,14 @@
             <a:noFill/>
           </a:ln>
         </p:spPr>
-        <p:txBody>
-          <a:bodyPr>
+        <p:style>
+          <a:lnRef idx="0"/>
+          <a:fillRef idx="0"/>
+          <a:effectRef idx="0"/>
+          <a:fontRef idx="minor"/>
+        </p:style>
+        <p:txBody>
+          <a:bodyPr lIns="90000" rIns="90000" tIns="45000" bIns="45000">
             <a:noAutofit/>
           </a:bodyPr>
           <a:p>
@@ -5764,10 +5014,29 @@
               <a:t>First of all, the vendors will be allowed to create their profiles. To create a profile and be acknowledged as a legit vendor, they have to provide some information like:</a:t>
             </a:r>
             <a:endParaRPr b="0" lang="en-US" sz="2400" spc="-1" strike="noStrike">
-              <a:solidFill>
-                <a:srgbClr val="000000"/>
-              </a:solidFill>
-              <a:latin typeface="Calibri"/>
+              <a:latin typeface="Arial"/>
+            </a:endParaRPr>
+          </a:p>
+          <a:p>
+            <a:pPr>
+              <a:lnSpc>
+                <a:spcPct val="100000"/>
+              </a:lnSpc>
+              <a:spcBef>
+                <a:spcPts val="479"/>
+              </a:spcBef>
+            </a:pPr>
+            <a:r>
+              <a:rPr b="0" lang="en-US" sz="2400" spc="-1" strike="noStrike">
+                <a:solidFill>
+                  <a:srgbClr val="000000"/>
+                </a:solidFill>
+                <a:latin typeface="Comic Sans MS"/>
+              </a:rPr>
+              <a:t>Just checking if it works.</a:t>
+            </a:r>
+            <a:endParaRPr b="0" lang="en-US" sz="2400" spc="-1" strike="noStrike">
+              <a:latin typeface="Arial"/>
             </a:endParaRPr>
           </a:p>
           <a:p>
@@ -5780,10 +5049,7 @@
               </a:spcBef>
             </a:pPr>
             <a:endParaRPr b="0" lang="en-US" sz="2400" spc="-1" strike="noStrike">
-              <a:solidFill>
-                <a:srgbClr val="000000"/>
-              </a:solidFill>
-              <a:latin typeface="Calibri"/>
+              <a:latin typeface="Arial"/>
             </a:endParaRPr>
           </a:p>
           <a:p>
@@ -5796,14 +5062,11 @@
               </a:spcBef>
             </a:pPr>
             <a:endParaRPr b="0" lang="en-US" sz="2400" spc="-1" strike="noStrike">
-              <a:solidFill>
-                <a:srgbClr val="000000"/>
-              </a:solidFill>
-              <a:latin typeface="Calibri"/>
-            </a:endParaRPr>
-          </a:p>
-          <a:p>
-            <a:pPr marL="343080" indent="-342720">
+              <a:latin typeface="Arial"/>
+            </a:endParaRPr>
+          </a:p>
+          <a:p>
+            <a:pPr marL="343080" indent="-342360">
               <a:lnSpc>
                 <a:spcPct val="100000"/>
               </a:lnSpc>
@@ -5826,14 +5089,11 @@
               <a:t>NAME</a:t>
             </a:r>
             <a:endParaRPr b="0" lang="en-US" sz="2800" spc="-1" strike="noStrike">
-              <a:solidFill>
-                <a:srgbClr val="000000"/>
-              </a:solidFill>
-              <a:latin typeface="Calibri"/>
-            </a:endParaRPr>
-          </a:p>
-          <a:p>
-            <a:pPr marL="343080" indent="-342720">
+              <a:latin typeface="Arial"/>
+            </a:endParaRPr>
+          </a:p>
+          <a:p>
+            <a:pPr marL="343080" indent="-342360">
               <a:lnSpc>
                 <a:spcPct val="100000"/>
               </a:lnSpc>
@@ -5856,14 +5116,11 @@
               <a:t>LICENSE NO.</a:t>
             </a:r>
             <a:endParaRPr b="0" lang="en-US" sz="2800" spc="-1" strike="noStrike">
-              <a:solidFill>
-                <a:srgbClr val="000000"/>
-              </a:solidFill>
-              <a:latin typeface="Calibri"/>
-            </a:endParaRPr>
-          </a:p>
-          <a:p>
-            <a:pPr marL="343080" indent="-342720">
+              <a:latin typeface="Arial"/>
+            </a:endParaRPr>
+          </a:p>
+          <a:p>
+            <a:pPr marL="343080" indent="-342360">
               <a:lnSpc>
                 <a:spcPct val="100000"/>
               </a:lnSpc>
@@ -5886,14 +5143,11 @@
               <a:t>DETAILS OF THEIR PRODUCTS, STORAGE &amp; CAPACITY</a:t>
             </a:r>
             <a:endParaRPr b="0" lang="en-US" sz="2800" spc="-1" strike="noStrike">
-              <a:solidFill>
-                <a:srgbClr val="000000"/>
-              </a:solidFill>
-              <a:latin typeface="Calibri"/>
-            </a:endParaRPr>
-          </a:p>
-          <a:p>
-            <a:pPr marL="343080" indent="-342720">
+              <a:latin typeface="Arial"/>
+            </a:endParaRPr>
+          </a:p>
+          <a:p>
+            <a:pPr marL="343080" indent="-342360">
               <a:lnSpc>
                 <a:spcPct val="100000"/>
               </a:lnSpc>
@@ -5916,14 +5170,11 @@
               <a:t>CONTACT INFORMATION</a:t>
             </a:r>
             <a:endParaRPr b="0" lang="en-US" sz="2800" spc="-1" strike="noStrike">
-              <a:solidFill>
-                <a:srgbClr val="000000"/>
-              </a:solidFill>
-              <a:latin typeface="Calibri"/>
-            </a:endParaRPr>
-          </a:p>
-          <a:p>
-            <a:pPr marL="343080" indent="-342720">
+              <a:latin typeface="Arial"/>
+            </a:endParaRPr>
+          </a:p>
+          <a:p>
+            <a:pPr marL="343080" indent="-342360">
               <a:lnSpc>
                 <a:spcPct val="100000"/>
               </a:lnSpc>
@@ -5946,10 +5197,7 @@
               <a:t>HISTORY OF SALES</a:t>
             </a:r>
             <a:endParaRPr b="0" lang="en-US" sz="2800" spc="-1" strike="noStrike">
-              <a:solidFill>
-                <a:srgbClr val="000000"/>
-              </a:solidFill>
-              <a:latin typeface="Calibri"/>
+              <a:latin typeface="Arial"/>
             </a:endParaRPr>
           </a:p>
           <a:p>
@@ -5962,10 +5210,7 @@
               </a:spcBef>
             </a:pPr>
             <a:endParaRPr b="0" lang="en-US" sz="2800" spc="-1" strike="noStrike">
-              <a:solidFill>
-                <a:srgbClr val="000000"/>
-              </a:solidFill>
-              <a:latin typeface="Calibri"/>
+              <a:latin typeface="Arial"/>
             </a:endParaRPr>
           </a:p>
           <a:p>
@@ -5987,10 +5232,7 @@
               <a:t>Once their provided information is verified, they will be allowed to successfully create a profile and will be regarded as legit vendors.</a:t>
             </a:r>
             <a:endParaRPr b="0" lang="en-US" sz="2400" spc="-1" strike="noStrike">
-              <a:solidFill>
-                <a:srgbClr val="000000"/>
-              </a:solidFill>
-              <a:latin typeface="Calibri"/>
+              <a:latin typeface="Arial"/>
             </a:endParaRPr>
           </a:p>
         </p:txBody>
@@ -6027,14 +5269,14 @@
       </p:grpSpPr>
       <p:sp>
         <p:nvSpPr>
-          <p:cNvPr id="126" name="CustomShape 1"/>
+          <p:cNvPr id="117" name="CustomShape 1"/>
           <p:cNvSpPr/>
           <p:nvPr/>
         </p:nvSpPr>
         <p:spPr>
           <a:xfrm>
             <a:off x="685800" y="533520"/>
-            <a:ext cx="7391160" cy="4479480"/>
+            <a:ext cx="7390800" cy="4479120"/>
           </a:xfrm>
           <a:prstGeom prst="rect">
             <a:avLst/>
@@ -6066,6 +5308,7 @@
                   <a:srgbClr val="000000"/>
                 </a:solidFill>
                 <a:latin typeface="Comic Sans MS"/>
+                <a:ea typeface="DejaVu Sans"/>
               </a:rPr>
               <a:t>All the vendors can view some of the details and contact information of other vendors in the system and thus can contact with each other.</a:t>
             </a:r>
@@ -6095,6 +5338,7 @@
                   <a:srgbClr val="c0504d"/>
                 </a:solidFill>
                 <a:latin typeface="Comic Sans MS"/>
+                <a:ea typeface="DejaVu Sans"/>
               </a:rPr>
               <a:t>ORDERING:</a:t>
             </a:r>
@@ -6124,6 +5368,7 @@
                   <a:srgbClr val="000000"/>
                 </a:solidFill>
                 <a:latin typeface="Comic Sans MS"/>
+                <a:ea typeface="DejaVu Sans"/>
               </a:rPr>
               <a:t>The company can order some products from a vendor. The order will carry information about how many units needed, how much they will pay for each unit along with POS.</a:t>
             </a:r>
@@ -6153,6 +5398,7 @@
                   <a:srgbClr val="000000"/>
                 </a:solidFill>
                 <a:latin typeface="Comic Sans MS"/>
+                <a:ea typeface="DejaVu Sans"/>
               </a:rPr>
               <a:t>It is possible that the company and vendor might not agree at the start. They can negotiate through the system.</a:t>
             </a:r>
@@ -6194,14 +5440,14 @@
       </p:grpSpPr>
       <p:sp>
         <p:nvSpPr>
-          <p:cNvPr id="127" name="CustomShape 1"/>
+          <p:cNvPr id="118" name="CustomShape 1"/>
           <p:cNvSpPr/>
           <p:nvPr/>
         </p:nvSpPr>
         <p:spPr>
           <a:xfrm>
             <a:off x="685800" y="533520"/>
-            <a:ext cx="7391160" cy="3747960"/>
+            <a:ext cx="7390800" cy="3747600"/>
           </a:xfrm>
           <a:prstGeom prst="rect">
             <a:avLst/>
@@ -6233,6 +5479,7 @@
                   <a:srgbClr val="c0504d"/>
                 </a:solidFill>
                 <a:latin typeface="Comic Sans MS"/>
+                <a:ea typeface="DejaVu Sans"/>
               </a:rPr>
               <a:t>NEGOTIATION:</a:t>
             </a:r>
@@ -6262,6 +5509,7 @@
                   <a:srgbClr val="000000"/>
                 </a:solidFill>
                 <a:latin typeface="Comic Sans MS"/>
+                <a:ea typeface="DejaVu Sans"/>
               </a:rPr>
               <a:t>The vendor can make counter offers if they don’t agree with the pricing or deadline. They can also collaborate with other vendors in the system and mention this in the counter offer. The company will also make counter offers if they don’t agree with the demands of the vendor. If both parties achieve a middle ground, the order is successfully placed.</a:t>
             </a:r>
@@ -6291,6 +5539,7 @@
                   <a:srgbClr val="000000"/>
                 </a:solidFill>
                 <a:latin typeface="Comic Sans MS"/>
+                <a:ea typeface="DejaVu Sans"/>
               </a:rPr>
               <a:t> </a:t>
             </a:r>
@@ -6332,14 +5581,14 @@
       </p:grpSpPr>
       <p:sp>
         <p:nvSpPr>
-          <p:cNvPr id="128" name="CustomShape 1"/>
+          <p:cNvPr id="119" name="CustomShape 1"/>
           <p:cNvSpPr/>
           <p:nvPr/>
         </p:nvSpPr>
         <p:spPr>
           <a:xfrm>
             <a:off x="685800" y="533520"/>
-            <a:ext cx="7391160" cy="3016440"/>
+            <a:ext cx="7390800" cy="3016080"/>
           </a:xfrm>
           <a:prstGeom prst="rect">
             <a:avLst/>
@@ -6371,6 +5620,7 @@
                   <a:srgbClr val="000000"/>
                 </a:solidFill>
                 <a:latin typeface="Comic Sans MS"/>
+                <a:ea typeface="DejaVu Sans"/>
               </a:rPr>
               <a:t>The company can track all the ongoing orders through the system database and even update the POS if the vendors face some unavoidable circumstances. </a:t>
             </a:r>
@@ -6400,6 +5650,7 @@
                   <a:srgbClr val="000000"/>
                 </a:solidFill>
                 <a:latin typeface="Comic Sans MS"/>
+                <a:ea typeface="DejaVu Sans"/>
               </a:rPr>
               <a:t>If the vendors are able to successfully deliver the products according to POS, an automated transaction is made from the company to the specific vendors. Thus, the order is completed.</a:t>
             </a:r>
@@ -6419,6 +5670,7 @@
                   <a:srgbClr val="000000"/>
                 </a:solidFill>
                 <a:latin typeface="Comic Sans MS"/>
+                <a:ea typeface="DejaVu Sans"/>
               </a:rPr>
               <a:t> </a:t>
             </a:r>
@@ -6460,14 +5712,14 @@
       </p:grpSpPr>
       <p:sp>
         <p:nvSpPr>
-          <p:cNvPr id="129" name="CustomShape 1"/>
+          <p:cNvPr id="120" name="CustomShape 1"/>
           <p:cNvSpPr/>
           <p:nvPr/>
         </p:nvSpPr>
         <p:spPr>
           <a:xfrm>
             <a:off x="685800" y="533520"/>
-            <a:ext cx="7391160" cy="2284920"/>
+            <a:ext cx="7390800" cy="2284560"/>
           </a:xfrm>
           <a:prstGeom prst="rect">
             <a:avLst/>
@@ -6499,6 +5751,7 @@
                   <a:srgbClr val="c0504d"/>
                 </a:solidFill>
                 <a:latin typeface="Comic Sans MS"/>
+                <a:ea typeface="DejaVu Sans"/>
               </a:rPr>
               <a:t>INVENTORY MANAGEMENT:</a:t>
             </a:r>
@@ -6528,6 +5781,7 @@
                   <a:srgbClr val="000000"/>
                 </a:solidFill>
                 <a:latin typeface="Comic Sans MS"/>
+                <a:ea typeface="DejaVu Sans"/>
               </a:rPr>
               <a:t>Each vendor can manage their storage and product details through a DBMS in their profile.</a:t>
             </a:r>
